--- a/Presentation.pptx
+++ b/Presentation.pptx
@@ -5,43 +5,42 @@
     <p:sldMasterId id="2147483648" r:id="rId1"/>
   </p:sldMasterIdLst>
   <p:notesMasterIdLst>
-    <p:notesMasterId r:id="rId36"/>
+    <p:notesMasterId r:id="rId35"/>
   </p:notesMasterIdLst>
   <p:sldIdLst>
     <p:sldId id="257" r:id="rId2"/>
     <p:sldId id="258" r:id="rId3"/>
     <p:sldId id="287" r:id="rId4"/>
-    <p:sldId id="297" r:id="rId5"/>
-    <p:sldId id="280" r:id="rId6"/>
-    <p:sldId id="272" r:id="rId7"/>
-    <p:sldId id="261" r:id="rId8"/>
-    <p:sldId id="262" r:id="rId9"/>
-    <p:sldId id="270" r:id="rId10"/>
-    <p:sldId id="264" r:id="rId11"/>
-    <p:sldId id="265" r:id="rId12"/>
-    <p:sldId id="273" r:id="rId13"/>
-    <p:sldId id="269" r:id="rId14"/>
-    <p:sldId id="259" r:id="rId15"/>
-    <p:sldId id="266" r:id="rId16"/>
-    <p:sldId id="268" r:id="rId17"/>
-    <p:sldId id="275" r:id="rId18"/>
-    <p:sldId id="274" r:id="rId19"/>
-    <p:sldId id="278" r:id="rId20"/>
-    <p:sldId id="286" r:id="rId21"/>
-    <p:sldId id="277" r:id="rId22"/>
-    <p:sldId id="281" r:id="rId23"/>
-    <p:sldId id="276" r:id="rId24"/>
-    <p:sldId id="282" r:id="rId25"/>
-    <p:sldId id="284" r:id="rId26"/>
-    <p:sldId id="285" r:id="rId27"/>
-    <p:sldId id="289" r:id="rId28"/>
-    <p:sldId id="290" r:id="rId29"/>
-    <p:sldId id="291" r:id="rId30"/>
-    <p:sldId id="292" r:id="rId31"/>
-    <p:sldId id="296" r:id="rId32"/>
-    <p:sldId id="293" r:id="rId33"/>
-    <p:sldId id="294" r:id="rId34"/>
-    <p:sldId id="271" r:id="rId35"/>
+    <p:sldId id="280" r:id="rId5"/>
+    <p:sldId id="272" r:id="rId6"/>
+    <p:sldId id="261" r:id="rId7"/>
+    <p:sldId id="262" r:id="rId8"/>
+    <p:sldId id="270" r:id="rId9"/>
+    <p:sldId id="264" r:id="rId10"/>
+    <p:sldId id="265" r:id="rId11"/>
+    <p:sldId id="273" r:id="rId12"/>
+    <p:sldId id="269" r:id="rId13"/>
+    <p:sldId id="259" r:id="rId14"/>
+    <p:sldId id="266" r:id="rId15"/>
+    <p:sldId id="268" r:id="rId16"/>
+    <p:sldId id="275" r:id="rId17"/>
+    <p:sldId id="274" r:id="rId18"/>
+    <p:sldId id="278" r:id="rId19"/>
+    <p:sldId id="286" r:id="rId20"/>
+    <p:sldId id="277" r:id="rId21"/>
+    <p:sldId id="281" r:id="rId22"/>
+    <p:sldId id="276" r:id="rId23"/>
+    <p:sldId id="282" r:id="rId24"/>
+    <p:sldId id="284" r:id="rId25"/>
+    <p:sldId id="285" r:id="rId26"/>
+    <p:sldId id="289" r:id="rId27"/>
+    <p:sldId id="290" r:id="rId28"/>
+    <p:sldId id="291" r:id="rId29"/>
+    <p:sldId id="292" r:id="rId30"/>
+    <p:sldId id="296" r:id="rId31"/>
+    <p:sldId id="293" r:id="rId32"/>
+    <p:sldId id="294" r:id="rId33"/>
+    <p:sldId id="271" r:id="rId34"/>
   </p:sldIdLst>
   <p:sldSz cx="12192000" cy="6858000"/>
   <p:notesSz cx="6858000" cy="9144000"/>
@@ -686,121 +685,6 @@
         <p:cNvPr id="1" name="">
           <a:extLst>
             <a:ext uri="{FF2B5EF4-FFF2-40B4-BE49-F238E27FC236}">
-              <a16:creationId xmlns:a16="http://schemas.microsoft.com/office/drawing/2014/main" id="{563CE540-B7DE-69D0-B1F1-924C378B79B1}"/>
-            </a:ext>
-          </a:extLst>
-        </p:cNvPr>
-        <p:cNvGrpSpPr/>
-        <p:nvPr/>
-      </p:nvGrpSpPr>
-      <p:grpSpPr>
-        <a:xfrm>
-          <a:off x="0" y="0"/>
-          <a:ext cx="0" cy="0"/>
-          <a:chOff x="0" y="0"/>
-          <a:chExt cx="0" cy="0"/>
-        </a:xfrm>
-      </p:grpSpPr>
-      <p:sp>
-        <p:nvSpPr>
-          <p:cNvPr id="2" name="Slide Image Placeholder 1">
-            <a:extLst>
-              <a:ext uri="{FF2B5EF4-FFF2-40B4-BE49-F238E27FC236}">
-                <a16:creationId xmlns:a16="http://schemas.microsoft.com/office/drawing/2014/main" id="{06D93AA3-77CA-AAD5-D0A2-62926BA33500}"/>
-              </a:ext>
-            </a:extLst>
-          </p:cNvPr>
-          <p:cNvSpPr>
-            <a:spLocks noGrp="1" noRot="1" noChangeAspect="1"/>
-          </p:cNvSpPr>
-          <p:nvPr>
-            <p:ph type="sldImg"/>
-          </p:nvPr>
-        </p:nvSpPr>
-        <p:spPr/>
-        <p:txBody>
-          <a:bodyPr/>
-          <a:lstStyle/>
-          <a:p>
-            <a:endParaRPr lang="en-IN"/>
-          </a:p>
-        </p:txBody>
-      </p:sp>
-      <p:sp>
-        <p:nvSpPr>
-          <p:cNvPr id="3" name="Notes Placeholder 2">
-            <a:extLst>
-              <a:ext uri="{FF2B5EF4-FFF2-40B4-BE49-F238E27FC236}">
-                <a16:creationId xmlns:a16="http://schemas.microsoft.com/office/drawing/2014/main" id="{37539A3C-6C8C-33C7-CD71-C5657C30AAF0}"/>
-              </a:ext>
-            </a:extLst>
-          </p:cNvPr>
-          <p:cNvSpPr>
-            <a:spLocks noGrp="1"/>
-          </p:cNvSpPr>
-          <p:nvPr>
-            <p:ph type="body" idx="1"/>
-          </p:nvPr>
-        </p:nvSpPr>
-        <p:spPr/>
-        <p:txBody>
-          <a:bodyPr/>
-          <a:lstStyle/>
-          <a:p>
-            <a:endParaRPr lang="en-IN" dirty="0"/>
-          </a:p>
-        </p:txBody>
-      </p:sp>
-      <p:sp>
-        <p:nvSpPr>
-          <p:cNvPr id="4" name="Slide Number Placeholder 3">
-            <a:extLst>
-              <a:ext uri="{FF2B5EF4-FFF2-40B4-BE49-F238E27FC236}">
-                <a16:creationId xmlns:a16="http://schemas.microsoft.com/office/drawing/2014/main" id="{8D12311C-63B2-62CD-48E6-C7040A6A08C7}"/>
-              </a:ext>
-            </a:extLst>
-          </p:cNvPr>
-          <p:cNvSpPr>
-            <a:spLocks noGrp="1"/>
-          </p:cNvSpPr>
-          <p:nvPr>
-            <p:ph type="sldNum" sz="quarter" idx="5"/>
-          </p:nvPr>
-        </p:nvSpPr>
-        <p:spPr/>
-        <p:txBody>
-          <a:bodyPr/>
-          <a:lstStyle/>
-          <a:p>
-            <a:fld id="{53814F31-D386-46E2-B2B0-D380B139DE80}" type="slidenum">
-              <a:rPr lang="en-IN" smtClean="0"/>
-              <a:t>18</a:t>
-            </a:fld>
-            <a:endParaRPr lang="en-IN" dirty="0"/>
-          </a:p>
-        </p:txBody>
-      </p:sp>
-    </p:spTree>
-    <p:extLst>
-      <p:ext uri="{BB962C8B-B14F-4D97-AF65-F5344CB8AC3E}">
-        <p14:creationId xmlns:p14="http://schemas.microsoft.com/office/powerpoint/2010/main" val="2555531889"/>
-      </p:ext>
-    </p:extLst>
-  </p:cSld>
-  <p:clrMapOvr>
-    <a:masterClrMapping/>
-  </p:clrMapOvr>
-</p:notes>
-</file>
-
-<file path=ppt/notesSlides/notesSlide11.xml><?xml version="1.0" encoding="utf-8"?>
-<p:notes xmlns:a="http://schemas.openxmlformats.org/drawingml/2006/main" xmlns:r="http://schemas.openxmlformats.org/officeDocument/2006/relationships" xmlns:p="http://schemas.openxmlformats.org/presentationml/2006/main">
-  <p:cSld>
-    <p:spTree>
-      <p:nvGrpSpPr>
-        <p:cNvPr id="1" name="">
-          <a:extLst>
-            <a:ext uri="{FF2B5EF4-FFF2-40B4-BE49-F238E27FC236}">
               <a16:creationId xmlns:a16="http://schemas.microsoft.com/office/drawing/2014/main" id="{E80EE205-258A-80B6-A35E-F56E166B5D2F}"/>
             </a:ext>
           </a:extLst>
@@ -889,7 +773,7 @@
           <a:p>
             <a:fld id="{53814F31-D386-46E2-B2B0-D380B139DE80}" type="slidenum">
               <a:rPr lang="en-IN" smtClean="0"/>
-              <a:t>19</a:t>
+              <a:t>18</a:t>
             </a:fld>
             <a:endParaRPr lang="en-IN" dirty="0"/>
           </a:p>
@@ -908,7 +792,7 @@
 </p:notes>
 </file>
 
-<file path=ppt/notesSlides/notesSlide12.xml><?xml version="1.0" encoding="utf-8"?>
+<file path=ppt/notesSlides/notesSlide11.xml><?xml version="1.0" encoding="utf-8"?>
 <p:notes xmlns:a="http://schemas.openxmlformats.org/drawingml/2006/main" xmlns:r="http://schemas.openxmlformats.org/officeDocument/2006/relationships" xmlns:p="http://schemas.openxmlformats.org/presentationml/2006/main">
   <p:cSld>
     <p:spTree>
@@ -1004,7 +888,7 @@
           <a:p>
             <a:fld id="{53814F31-D386-46E2-B2B0-D380B139DE80}" type="slidenum">
               <a:rPr lang="en-IN" smtClean="0"/>
-              <a:t>20</a:t>
+              <a:t>19</a:t>
             </a:fld>
             <a:endParaRPr lang="en-IN" dirty="0"/>
           </a:p>
@@ -1023,7 +907,7 @@
 </p:notes>
 </file>
 
-<file path=ppt/notesSlides/notesSlide13.xml><?xml version="1.0" encoding="utf-8"?>
+<file path=ppt/notesSlides/notesSlide12.xml><?xml version="1.0" encoding="utf-8"?>
 <p:notes xmlns:a="http://schemas.openxmlformats.org/drawingml/2006/main" xmlns:r="http://schemas.openxmlformats.org/officeDocument/2006/relationships" xmlns:p="http://schemas.openxmlformats.org/presentationml/2006/main">
   <p:cSld>
     <p:spTree>
@@ -1119,7 +1003,7 @@
           <a:p>
             <a:fld id="{53814F31-D386-46E2-B2B0-D380B139DE80}" type="slidenum">
               <a:rPr lang="en-IN" smtClean="0"/>
-              <a:t>22</a:t>
+              <a:t>21</a:t>
             </a:fld>
             <a:endParaRPr lang="en-IN" dirty="0"/>
           </a:p>
@@ -1138,7 +1022,7 @@
 </p:notes>
 </file>
 
-<file path=ppt/notesSlides/notesSlide14.xml><?xml version="1.0" encoding="utf-8"?>
+<file path=ppt/notesSlides/notesSlide13.xml><?xml version="1.0" encoding="utf-8"?>
 <p:notes xmlns:a="http://schemas.openxmlformats.org/drawingml/2006/main" xmlns:r="http://schemas.openxmlformats.org/officeDocument/2006/relationships" xmlns:p="http://schemas.openxmlformats.org/presentationml/2006/main">
   <p:cSld>
     <p:spTree>
@@ -1234,7 +1118,7 @@
           <a:p>
             <a:fld id="{53814F31-D386-46E2-B2B0-D380B139DE80}" type="slidenum">
               <a:rPr lang="en-IN" smtClean="0"/>
-              <a:t>23</a:t>
+              <a:t>22</a:t>
             </a:fld>
             <a:endParaRPr lang="en-IN" dirty="0"/>
           </a:p>
@@ -1253,7 +1137,7 @@
 </p:notes>
 </file>
 
-<file path=ppt/notesSlides/notesSlide15.xml><?xml version="1.0" encoding="utf-8"?>
+<file path=ppt/notesSlides/notesSlide14.xml><?xml version="1.0" encoding="utf-8"?>
 <p:notes xmlns:a="http://schemas.openxmlformats.org/drawingml/2006/main" xmlns:r="http://schemas.openxmlformats.org/officeDocument/2006/relationships" xmlns:p="http://schemas.openxmlformats.org/presentationml/2006/main">
   <p:cSld>
     <p:spTree>
@@ -1349,7 +1233,7 @@
           <a:p>
             <a:fld id="{53814F31-D386-46E2-B2B0-D380B139DE80}" type="slidenum">
               <a:rPr lang="en-IN" smtClean="0"/>
-              <a:t>24</a:t>
+              <a:t>23</a:t>
             </a:fld>
             <a:endParaRPr lang="en-IN" dirty="0"/>
           </a:p>
@@ -1368,7 +1252,7 @@
 </p:notes>
 </file>
 
-<file path=ppt/notesSlides/notesSlide16.xml><?xml version="1.0" encoding="utf-8"?>
+<file path=ppt/notesSlides/notesSlide15.xml><?xml version="1.0" encoding="utf-8"?>
 <p:notes xmlns:a="http://schemas.openxmlformats.org/drawingml/2006/main" xmlns:r="http://schemas.openxmlformats.org/officeDocument/2006/relationships" xmlns:p="http://schemas.openxmlformats.org/presentationml/2006/main">
   <p:cSld>
     <p:spTree>
@@ -1464,7 +1348,7 @@
           <a:p>
             <a:fld id="{53814F31-D386-46E2-B2B0-D380B139DE80}" type="slidenum">
               <a:rPr lang="en-IN" smtClean="0"/>
-              <a:t>25</a:t>
+              <a:t>24</a:t>
             </a:fld>
             <a:endParaRPr lang="en-IN" dirty="0"/>
           </a:p>
@@ -1483,7 +1367,7 @@
 </p:notes>
 </file>
 
-<file path=ppt/notesSlides/notesSlide17.xml><?xml version="1.0" encoding="utf-8"?>
+<file path=ppt/notesSlides/notesSlide16.xml><?xml version="1.0" encoding="utf-8"?>
 <p:notes xmlns:a="http://schemas.openxmlformats.org/drawingml/2006/main" xmlns:r="http://schemas.openxmlformats.org/officeDocument/2006/relationships" xmlns:p="http://schemas.openxmlformats.org/presentationml/2006/main">
   <p:cSld>
     <p:spTree>
@@ -1579,7 +1463,7 @@
           <a:p>
             <a:fld id="{53814F31-D386-46E2-B2B0-D380B139DE80}" type="slidenum">
               <a:rPr lang="en-IN" smtClean="0"/>
-              <a:t>26</a:t>
+              <a:t>25</a:t>
             </a:fld>
             <a:endParaRPr lang="en-IN" dirty="0"/>
           </a:p>
@@ -1598,7 +1482,7 @@
 </p:notes>
 </file>
 
-<file path=ppt/notesSlides/notesSlide18.xml><?xml version="1.0" encoding="utf-8"?>
+<file path=ppt/notesSlides/notesSlide17.xml><?xml version="1.0" encoding="utf-8"?>
 <p:notes xmlns:a="http://schemas.openxmlformats.org/drawingml/2006/main" xmlns:r="http://schemas.openxmlformats.org/officeDocument/2006/relationships" xmlns:p="http://schemas.openxmlformats.org/presentationml/2006/main">
   <p:cSld>
     <p:spTree>
@@ -1694,7 +1578,7 @@
           <a:p>
             <a:fld id="{53814F31-D386-46E2-B2B0-D380B139DE80}" type="slidenum">
               <a:rPr lang="en-IN" smtClean="0"/>
-              <a:t>27</a:t>
+              <a:t>26</a:t>
             </a:fld>
             <a:endParaRPr lang="en-IN" dirty="0"/>
           </a:p>
@@ -1713,7 +1597,7 @@
 </p:notes>
 </file>
 
-<file path=ppt/notesSlides/notesSlide19.xml><?xml version="1.0" encoding="utf-8"?>
+<file path=ppt/notesSlides/notesSlide18.xml><?xml version="1.0" encoding="utf-8"?>
 <p:notes xmlns:a="http://schemas.openxmlformats.org/drawingml/2006/main" xmlns:r="http://schemas.openxmlformats.org/officeDocument/2006/relationships" xmlns:p="http://schemas.openxmlformats.org/presentationml/2006/main">
   <p:cSld>
     <p:spTree>
@@ -1809,7 +1693,7 @@
           <a:p>
             <a:fld id="{53814F31-D386-46E2-B2B0-D380B139DE80}" type="slidenum">
               <a:rPr lang="en-IN" smtClean="0"/>
-              <a:t>28</a:t>
+              <a:t>27</a:t>
             </a:fld>
             <a:endParaRPr lang="en-IN" dirty="0"/>
           </a:p>
@@ -1819,6 +1703,121 @@
     <p:extLst>
       <p:ext uri="{BB962C8B-B14F-4D97-AF65-F5344CB8AC3E}">
         <p14:creationId xmlns:p14="http://schemas.microsoft.com/office/powerpoint/2010/main" val="3396387430"/>
+      </p:ext>
+    </p:extLst>
+  </p:cSld>
+  <p:clrMapOvr>
+    <a:masterClrMapping/>
+  </p:clrMapOvr>
+</p:notes>
+</file>
+
+<file path=ppt/notesSlides/notesSlide19.xml><?xml version="1.0" encoding="utf-8"?>
+<p:notes xmlns:a="http://schemas.openxmlformats.org/drawingml/2006/main" xmlns:r="http://schemas.openxmlformats.org/officeDocument/2006/relationships" xmlns:p="http://schemas.openxmlformats.org/presentationml/2006/main">
+  <p:cSld>
+    <p:spTree>
+      <p:nvGrpSpPr>
+        <p:cNvPr id="1" name="">
+          <a:extLst>
+            <a:ext uri="{FF2B5EF4-FFF2-40B4-BE49-F238E27FC236}">
+              <a16:creationId xmlns:a16="http://schemas.microsoft.com/office/drawing/2014/main" id="{3F2089A6-12E4-8315-73A2-C43FB0A10E55}"/>
+            </a:ext>
+          </a:extLst>
+        </p:cNvPr>
+        <p:cNvGrpSpPr/>
+        <p:nvPr/>
+      </p:nvGrpSpPr>
+      <p:grpSpPr>
+        <a:xfrm>
+          <a:off x="0" y="0"/>
+          <a:ext cx="0" cy="0"/>
+          <a:chOff x="0" y="0"/>
+          <a:chExt cx="0" cy="0"/>
+        </a:xfrm>
+      </p:grpSpPr>
+      <p:sp>
+        <p:nvSpPr>
+          <p:cNvPr id="2" name="Slide Image Placeholder 1">
+            <a:extLst>
+              <a:ext uri="{FF2B5EF4-FFF2-40B4-BE49-F238E27FC236}">
+                <a16:creationId xmlns:a16="http://schemas.microsoft.com/office/drawing/2014/main" id="{E3265F94-5FD7-F2D6-7FD8-8AA35FAE2B48}"/>
+              </a:ext>
+            </a:extLst>
+          </p:cNvPr>
+          <p:cNvSpPr>
+            <a:spLocks noGrp="1" noRot="1" noChangeAspect="1"/>
+          </p:cNvSpPr>
+          <p:nvPr>
+            <p:ph type="sldImg"/>
+          </p:nvPr>
+        </p:nvSpPr>
+        <p:spPr/>
+        <p:txBody>
+          <a:bodyPr/>
+          <a:lstStyle/>
+          <a:p>
+            <a:endParaRPr lang="en-IN"/>
+          </a:p>
+        </p:txBody>
+      </p:sp>
+      <p:sp>
+        <p:nvSpPr>
+          <p:cNvPr id="3" name="Notes Placeholder 2">
+            <a:extLst>
+              <a:ext uri="{FF2B5EF4-FFF2-40B4-BE49-F238E27FC236}">
+                <a16:creationId xmlns:a16="http://schemas.microsoft.com/office/drawing/2014/main" id="{2D79D343-B92A-9640-9AC6-D787AFA678F1}"/>
+              </a:ext>
+            </a:extLst>
+          </p:cNvPr>
+          <p:cNvSpPr>
+            <a:spLocks noGrp="1"/>
+          </p:cNvSpPr>
+          <p:nvPr>
+            <p:ph type="body" idx="1"/>
+          </p:nvPr>
+        </p:nvSpPr>
+        <p:spPr/>
+        <p:txBody>
+          <a:bodyPr/>
+          <a:lstStyle/>
+          <a:p>
+            <a:endParaRPr lang="en-IN" dirty="0"/>
+          </a:p>
+        </p:txBody>
+      </p:sp>
+      <p:sp>
+        <p:nvSpPr>
+          <p:cNvPr id="4" name="Slide Number Placeholder 3">
+            <a:extLst>
+              <a:ext uri="{FF2B5EF4-FFF2-40B4-BE49-F238E27FC236}">
+                <a16:creationId xmlns:a16="http://schemas.microsoft.com/office/drawing/2014/main" id="{DFB583F1-BF83-C8EA-3F81-8F249B470675}"/>
+              </a:ext>
+            </a:extLst>
+          </p:cNvPr>
+          <p:cNvSpPr>
+            <a:spLocks noGrp="1"/>
+          </p:cNvSpPr>
+          <p:nvPr>
+            <p:ph type="sldNum" sz="quarter" idx="5"/>
+          </p:nvPr>
+        </p:nvSpPr>
+        <p:spPr/>
+        <p:txBody>
+          <a:bodyPr/>
+          <a:lstStyle/>
+          <a:p>
+            <a:fld id="{53814F31-D386-46E2-B2B0-D380B139DE80}" type="slidenum">
+              <a:rPr lang="en-IN" smtClean="0"/>
+              <a:t>28</a:t>
+            </a:fld>
+            <a:endParaRPr lang="en-IN" dirty="0"/>
+          </a:p>
+        </p:txBody>
+      </p:sp>
+    </p:spTree>
+    <p:extLst>
+      <p:ext uri="{BB962C8B-B14F-4D97-AF65-F5344CB8AC3E}">
+        <p14:creationId xmlns:p14="http://schemas.microsoft.com/office/powerpoint/2010/main" val="2559279316"/>
       </p:ext>
     </p:extLst>
   </p:cSld>
@@ -1951,121 +1950,6 @@
         <p:cNvPr id="1" name="">
           <a:extLst>
             <a:ext uri="{FF2B5EF4-FFF2-40B4-BE49-F238E27FC236}">
-              <a16:creationId xmlns:a16="http://schemas.microsoft.com/office/drawing/2014/main" id="{3F2089A6-12E4-8315-73A2-C43FB0A10E55}"/>
-            </a:ext>
-          </a:extLst>
-        </p:cNvPr>
-        <p:cNvGrpSpPr/>
-        <p:nvPr/>
-      </p:nvGrpSpPr>
-      <p:grpSpPr>
-        <a:xfrm>
-          <a:off x="0" y="0"/>
-          <a:ext cx="0" cy="0"/>
-          <a:chOff x="0" y="0"/>
-          <a:chExt cx="0" cy="0"/>
-        </a:xfrm>
-      </p:grpSpPr>
-      <p:sp>
-        <p:nvSpPr>
-          <p:cNvPr id="2" name="Slide Image Placeholder 1">
-            <a:extLst>
-              <a:ext uri="{FF2B5EF4-FFF2-40B4-BE49-F238E27FC236}">
-                <a16:creationId xmlns:a16="http://schemas.microsoft.com/office/drawing/2014/main" id="{E3265F94-5FD7-F2D6-7FD8-8AA35FAE2B48}"/>
-              </a:ext>
-            </a:extLst>
-          </p:cNvPr>
-          <p:cNvSpPr>
-            <a:spLocks noGrp="1" noRot="1" noChangeAspect="1"/>
-          </p:cNvSpPr>
-          <p:nvPr>
-            <p:ph type="sldImg"/>
-          </p:nvPr>
-        </p:nvSpPr>
-        <p:spPr/>
-        <p:txBody>
-          <a:bodyPr/>
-          <a:lstStyle/>
-          <a:p>
-            <a:endParaRPr lang="en-IN"/>
-          </a:p>
-        </p:txBody>
-      </p:sp>
-      <p:sp>
-        <p:nvSpPr>
-          <p:cNvPr id="3" name="Notes Placeholder 2">
-            <a:extLst>
-              <a:ext uri="{FF2B5EF4-FFF2-40B4-BE49-F238E27FC236}">
-                <a16:creationId xmlns:a16="http://schemas.microsoft.com/office/drawing/2014/main" id="{2D79D343-B92A-9640-9AC6-D787AFA678F1}"/>
-              </a:ext>
-            </a:extLst>
-          </p:cNvPr>
-          <p:cNvSpPr>
-            <a:spLocks noGrp="1"/>
-          </p:cNvSpPr>
-          <p:nvPr>
-            <p:ph type="body" idx="1"/>
-          </p:nvPr>
-        </p:nvSpPr>
-        <p:spPr/>
-        <p:txBody>
-          <a:bodyPr/>
-          <a:lstStyle/>
-          <a:p>
-            <a:endParaRPr lang="en-IN" dirty="0"/>
-          </a:p>
-        </p:txBody>
-      </p:sp>
-      <p:sp>
-        <p:nvSpPr>
-          <p:cNvPr id="4" name="Slide Number Placeholder 3">
-            <a:extLst>
-              <a:ext uri="{FF2B5EF4-FFF2-40B4-BE49-F238E27FC236}">
-                <a16:creationId xmlns:a16="http://schemas.microsoft.com/office/drawing/2014/main" id="{DFB583F1-BF83-C8EA-3F81-8F249B470675}"/>
-              </a:ext>
-            </a:extLst>
-          </p:cNvPr>
-          <p:cNvSpPr>
-            <a:spLocks noGrp="1"/>
-          </p:cNvSpPr>
-          <p:nvPr>
-            <p:ph type="sldNum" sz="quarter" idx="5"/>
-          </p:nvPr>
-        </p:nvSpPr>
-        <p:spPr/>
-        <p:txBody>
-          <a:bodyPr/>
-          <a:lstStyle/>
-          <a:p>
-            <a:fld id="{53814F31-D386-46E2-B2B0-D380B139DE80}" type="slidenum">
-              <a:rPr lang="en-IN" smtClean="0"/>
-              <a:t>29</a:t>
-            </a:fld>
-            <a:endParaRPr lang="en-IN" dirty="0"/>
-          </a:p>
-        </p:txBody>
-      </p:sp>
-    </p:spTree>
-    <p:extLst>
-      <p:ext uri="{BB962C8B-B14F-4D97-AF65-F5344CB8AC3E}">
-        <p14:creationId xmlns:p14="http://schemas.microsoft.com/office/powerpoint/2010/main" val="2559279316"/>
-      </p:ext>
-    </p:extLst>
-  </p:cSld>
-  <p:clrMapOvr>
-    <a:masterClrMapping/>
-  </p:clrMapOvr>
-</p:notes>
-</file>
-
-<file path=ppt/notesSlides/notesSlide21.xml><?xml version="1.0" encoding="utf-8"?>
-<p:notes xmlns:a="http://schemas.openxmlformats.org/drawingml/2006/main" xmlns:r="http://schemas.openxmlformats.org/officeDocument/2006/relationships" xmlns:p="http://schemas.openxmlformats.org/presentationml/2006/main">
-  <p:cSld>
-    <p:spTree>
-      <p:nvGrpSpPr>
-        <p:cNvPr id="1" name="">
-          <a:extLst>
-            <a:ext uri="{FF2B5EF4-FFF2-40B4-BE49-F238E27FC236}">
               <a16:creationId xmlns:a16="http://schemas.microsoft.com/office/drawing/2014/main" id="{019938EE-40CB-335A-3DA5-428479E98DA0}"/>
             </a:ext>
           </a:extLst>
@@ -2154,7 +2038,7 @@
           <a:p>
             <a:fld id="{53814F31-D386-46E2-B2B0-D380B139DE80}" type="slidenum">
               <a:rPr lang="en-IN" smtClean="0"/>
-              <a:t>30</a:t>
+              <a:t>29</a:t>
             </a:fld>
             <a:endParaRPr lang="en-IN" dirty="0"/>
           </a:p>
@@ -2173,7 +2057,7 @@
 </p:notes>
 </file>
 
-<file path=ppt/notesSlides/notesSlide22.xml><?xml version="1.0" encoding="utf-8"?>
+<file path=ppt/notesSlides/notesSlide21.xml><?xml version="1.0" encoding="utf-8"?>
 <p:notes xmlns:a="http://schemas.openxmlformats.org/drawingml/2006/main" xmlns:r="http://schemas.openxmlformats.org/officeDocument/2006/relationships" xmlns:p="http://schemas.openxmlformats.org/presentationml/2006/main">
   <p:cSld>
     <p:spTree>
@@ -2269,7 +2153,7 @@
           <a:p>
             <a:fld id="{53814F31-D386-46E2-B2B0-D380B139DE80}" type="slidenum">
               <a:rPr lang="en-IN" smtClean="0"/>
-              <a:t>31</a:t>
+              <a:t>30</a:t>
             </a:fld>
             <a:endParaRPr lang="en-IN" dirty="0"/>
           </a:p>
@@ -2288,7 +2172,7 @@
 </p:notes>
 </file>
 
-<file path=ppt/notesSlides/notesSlide23.xml><?xml version="1.0" encoding="utf-8"?>
+<file path=ppt/notesSlides/notesSlide22.xml><?xml version="1.0" encoding="utf-8"?>
 <p:notes xmlns:a="http://schemas.openxmlformats.org/drawingml/2006/main" xmlns:r="http://schemas.openxmlformats.org/officeDocument/2006/relationships" xmlns:p="http://schemas.openxmlformats.org/presentationml/2006/main">
   <p:cSld>
     <p:spTree>
@@ -2384,7 +2268,7 @@
           <a:p>
             <a:fld id="{53814F31-D386-46E2-B2B0-D380B139DE80}" type="slidenum">
               <a:rPr lang="en-IN" smtClean="0"/>
-              <a:t>32</a:t>
+              <a:t>31</a:t>
             </a:fld>
             <a:endParaRPr lang="en-IN" dirty="0"/>
           </a:p>
@@ -2403,7 +2287,7 @@
 </p:notes>
 </file>
 
-<file path=ppt/notesSlides/notesSlide24.xml><?xml version="1.0" encoding="utf-8"?>
+<file path=ppt/notesSlides/notesSlide23.xml><?xml version="1.0" encoding="utf-8"?>
 <p:notes xmlns:a="http://schemas.openxmlformats.org/drawingml/2006/main" xmlns:r="http://schemas.openxmlformats.org/officeDocument/2006/relationships" xmlns:p="http://schemas.openxmlformats.org/presentationml/2006/main">
   <p:cSld>
     <p:spTree>
@@ -2499,7 +2383,7 @@
           <a:p>
             <a:fld id="{53814F31-D386-46E2-B2B0-D380B139DE80}" type="slidenum">
               <a:rPr lang="en-IN" smtClean="0"/>
-              <a:t>33</a:t>
+              <a:t>32</a:t>
             </a:fld>
             <a:endParaRPr lang="en-IN" dirty="0"/>
           </a:p>
@@ -2519,121 +2403,6 @@
 </file>
 
 <file path=ppt/notesSlides/notesSlide3.xml><?xml version="1.0" encoding="utf-8"?>
-<p:notes xmlns:a="http://schemas.openxmlformats.org/drawingml/2006/main" xmlns:r="http://schemas.openxmlformats.org/officeDocument/2006/relationships" xmlns:p="http://schemas.openxmlformats.org/presentationml/2006/main">
-  <p:cSld>
-    <p:spTree>
-      <p:nvGrpSpPr>
-        <p:cNvPr id="1" name="">
-          <a:extLst>
-            <a:ext uri="{FF2B5EF4-FFF2-40B4-BE49-F238E27FC236}">
-              <a16:creationId xmlns:a16="http://schemas.microsoft.com/office/drawing/2014/main" id="{A3A42FE6-5E94-2B08-9A7D-5C6805889DA1}"/>
-            </a:ext>
-          </a:extLst>
-        </p:cNvPr>
-        <p:cNvGrpSpPr/>
-        <p:nvPr/>
-      </p:nvGrpSpPr>
-      <p:grpSpPr>
-        <a:xfrm>
-          <a:off x="0" y="0"/>
-          <a:ext cx="0" cy="0"/>
-          <a:chOff x="0" y="0"/>
-          <a:chExt cx="0" cy="0"/>
-        </a:xfrm>
-      </p:grpSpPr>
-      <p:sp>
-        <p:nvSpPr>
-          <p:cNvPr id="2" name="Slide Image Placeholder 1">
-            <a:extLst>
-              <a:ext uri="{FF2B5EF4-FFF2-40B4-BE49-F238E27FC236}">
-                <a16:creationId xmlns:a16="http://schemas.microsoft.com/office/drawing/2014/main" id="{44B40B10-D3D2-0F98-F93E-635BCABAB452}"/>
-              </a:ext>
-            </a:extLst>
-          </p:cNvPr>
-          <p:cNvSpPr>
-            <a:spLocks noGrp="1" noRot="1" noChangeAspect="1"/>
-          </p:cNvSpPr>
-          <p:nvPr>
-            <p:ph type="sldImg"/>
-          </p:nvPr>
-        </p:nvSpPr>
-        <p:spPr/>
-        <p:txBody>
-          <a:bodyPr/>
-          <a:lstStyle/>
-          <a:p>
-            <a:endParaRPr lang="en-IN"/>
-          </a:p>
-        </p:txBody>
-      </p:sp>
-      <p:sp>
-        <p:nvSpPr>
-          <p:cNvPr id="3" name="Notes Placeholder 2">
-            <a:extLst>
-              <a:ext uri="{FF2B5EF4-FFF2-40B4-BE49-F238E27FC236}">
-                <a16:creationId xmlns:a16="http://schemas.microsoft.com/office/drawing/2014/main" id="{45131F07-A410-6F34-8A93-CEAB15181B43}"/>
-              </a:ext>
-            </a:extLst>
-          </p:cNvPr>
-          <p:cNvSpPr>
-            <a:spLocks noGrp="1"/>
-          </p:cNvSpPr>
-          <p:nvPr>
-            <p:ph type="body" idx="1"/>
-          </p:nvPr>
-        </p:nvSpPr>
-        <p:spPr/>
-        <p:txBody>
-          <a:bodyPr/>
-          <a:lstStyle/>
-          <a:p>
-            <a:endParaRPr lang="en-IN" dirty="0"/>
-          </a:p>
-        </p:txBody>
-      </p:sp>
-      <p:sp>
-        <p:nvSpPr>
-          <p:cNvPr id="4" name="Slide Number Placeholder 3">
-            <a:extLst>
-              <a:ext uri="{FF2B5EF4-FFF2-40B4-BE49-F238E27FC236}">
-                <a16:creationId xmlns:a16="http://schemas.microsoft.com/office/drawing/2014/main" id="{6755FDE6-3E23-790E-45DD-57BF1045F97D}"/>
-              </a:ext>
-            </a:extLst>
-          </p:cNvPr>
-          <p:cNvSpPr>
-            <a:spLocks noGrp="1"/>
-          </p:cNvSpPr>
-          <p:nvPr>
-            <p:ph type="sldNum" sz="quarter" idx="5"/>
-          </p:nvPr>
-        </p:nvSpPr>
-        <p:spPr/>
-        <p:txBody>
-          <a:bodyPr/>
-          <a:lstStyle/>
-          <a:p>
-            <a:fld id="{53814F31-D386-46E2-B2B0-D380B139DE80}" type="slidenum">
-              <a:rPr lang="en-IN" smtClean="0"/>
-              <a:t>4</a:t>
-            </a:fld>
-            <a:endParaRPr lang="en-IN" dirty="0"/>
-          </a:p>
-        </p:txBody>
-      </p:sp>
-    </p:spTree>
-    <p:extLst>
-      <p:ext uri="{BB962C8B-B14F-4D97-AF65-F5344CB8AC3E}">
-        <p14:creationId xmlns:p14="http://schemas.microsoft.com/office/powerpoint/2010/main" val="4029787294"/>
-      </p:ext>
-    </p:extLst>
-  </p:cSld>
-  <p:clrMapOvr>
-    <a:masterClrMapping/>
-  </p:clrMapOvr>
-</p:notes>
-</file>
-
-<file path=ppt/notesSlides/notesSlide4.xml><?xml version="1.0" encoding="utf-8"?>
 <p:notes xmlns:a="http://schemas.openxmlformats.org/drawingml/2006/main" xmlns:r="http://schemas.openxmlformats.org/officeDocument/2006/relationships" xmlns:p="http://schemas.openxmlformats.org/presentationml/2006/main">
   <p:cSld>
     <p:spTree>
@@ -2729,7 +2498,7 @@
           <a:p>
             <a:fld id="{53814F31-D386-46E2-B2B0-D380B139DE80}" type="slidenum">
               <a:rPr lang="en-IN" smtClean="0"/>
-              <a:t>5</a:t>
+              <a:t>4</a:t>
             </a:fld>
             <a:endParaRPr lang="en-IN" dirty="0"/>
           </a:p>
@@ -2739,6 +2508,97 @@
     <p:extLst>
       <p:ext uri="{BB962C8B-B14F-4D97-AF65-F5344CB8AC3E}">
         <p14:creationId xmlns:p14="http://schemas.microsoft.com/office/powerpoint/2010/main" val="3149126634"/>
+      </p:ext>
+    </p:extLst>
+  </p:cSld>
+  <p:clrMapOvr>
+    <a:masterClrMapping/>
+  </p:clrMapOvr>
+</p:notes>
+</file>
+
+<file path=ppt/notesSlides/notesSlide4.xml><?xml version="1.0" encoding="utf-8"?>
+<p:notes xmlns:a="http://schemas.openxmlformats.org/drawingml/2006/main" xmlns:r="http://schemas.openxmlformats.org/officeDocument/2006/relationships" xmlns:p="http://schemas.openxmlformats.org/presentationml/2006/main">
+  <p:cSld>
+    <p:spTree>
+      <p:nvGrpSpPr>
+        <p:cNvPr id="1" name=""/>
+        <p:cNvGrpSpPr/>
+        <p:nvPr/>
+      </p:nvGrpSpPr>
+      <p:grpSpPr>
+        <a:xfrm>
+          <a:off x="0" y="0"/>
+          <a:ext cx="0" cy="0"/>
+          <a:chOff x="0" y="0"/>
+          <a:chExt cx="0" cy="0"/>
+        </a:xfrm>
+      </p:grpSpPr>
+      <p:sp>
+        <p:nvSpPr>
+          <p:cNvPr id="2" name="Slide Image Placeholder 1"/>
+          <p:cNvSpPr>
+            <a:spLocks noGrp="1" noRot="1" noChangeAspect="1"/>
+          </p:cNvSpPr>
+          <p:nvPr>
+            <p:ph type="sldImg"/>
+          </p:nvPr>
+        </p:nvSpPr>
+        <p:spPr/>
+        <p:txBody>
+          <a:bodyPr/>
+          <a:lstStyle/>
+          <a:p>
+            <a:endParaRPr lang="en-IN"/>
+          </a:p>
+        </p:txBody>
+      </p:sp>
+      <p:sp>
+        <p:nvSpPr>
+          <p:cNvPr id="3" name="Notes Placeholder 2"/>
+          <p:cNvSpPr>
+            <a:spLocks noGrp="1"/>
+          </p:cNvSpPr>
+          <p:nvPr>
+            <p:ph type="body" idx="1"/>
+          </p:nvPr>
+        </p:nvSpPr>
+        <p:spPr/>
+        <p:txBody>
+          <a:bodyPr/>
+          <a:lstStyle/>
+          <a:p>
+            <a:endParaRPr lang="en-IN" dirty="0"/>
+          </a:p>
+        </p:txBody>
+      </p:sp>
+      <p:sp>
+        <p:nvSpPr>
+          <p:cNvPr id="4" name="Slide Number Placeholder 3"/>
+          <p:cNvSpPr>
+            <a:spLocks noGrp="1"/>
+          </p:cNvSpPr>
+          <p:nvPr>
+            <p:ph type="sldNum" sz="quarter" idx="5"/>
+          </p:nvPr>
+        </p:nvSpPr>
+        <p:spPr/>
+        <p:txBody>
+          <a:bodyPr/>
+          <a:lstStyle/>
+          <a:p>
+            <a:fld id="{53814F31-D386-46E2-B2B0-D380B139DE80}" type="slidenum">
+              <a:rPr lang="en-IN" smtClean="0"/>
+              <a:t>6</a:t>
+            </a:fld>
+            <a:endParaRPr lang="en-IN" dirty="0"/>
+          </a:p>
+        </p:txBody>
+      </p:sp>
+    </p:spTree>
+    <p:extLst>
+      <p:ext uri="{BB962C8B-B14F-4D97-AF65-F5344CB8AC3E}">
+        <p14:creationId xmlns:p14="http://schemas.microsoft.com/office/powerpoint/2010/main" val="210092497"/>
       </p:ext>
     </p:extLst>
   </p:cSld>
@@ -2829,7 +2689,7 @@
     </p:spTree>
     <p:extLst>
       <p:ext uri="{BB962C8B-B14F-4D97-AF65-F5344CB8AC3E}">
-        <p14:creationId xmlns:p14="http://schemas.microsoft.com/office/powerpoint/2010/main" val="210092497"/>
+        <p14:creationId xmlns:p14="http://schemas.microsoft.com/office/powerpoint/2010/main" val="3677720598"/>
       </p:ext>
     </p:extLst>
   </p:cSld>
@@ -2911,7 +2771,7 @@
           <a:p>
             <a:fld id="{53814F31-D386-46E2-B2B0-D380B139DE80}" type="slidenum">
               <a:rPr lang="en-IN" smtClean="0"/>
-              <a:t>8</a:t>
+              <a:t>9</a:t>
             </a:fld>
             <a:endParaRPr lang="en-IN" dirty="0"/>
           </a:p>
@@ -2920,7 +2780,7 @@
     </p:spTree>
     <p:extLst>
       <p:ext uri="{BB962C8B-B14F-4D97-AF65-F5344CB8AC3E}">
-        <p14:creationId xmlns:p14="http://schemas.microsoft.com/office/powerpoint/2010/main" val="3677720598"/>
+        <p14:creationId xmlns:p14="http://schemas.microsoft.com/office/powerpoint/2010/main" val="131268400"/>
       </p:ext>
     </p:extLst>
   </p:cSld>
@@ -3002,98 +2862,7 @@
           <a:p>
             <a:fld id="{53814F31-D386-46E2-B2B0-D380B139DE80}" type="slidenum">
               <a:rPr lang="en-IN" smtClean="0"/>
-              <a:t>10</a:t>
-            </a:fld>
-            <a:endParaRPr lang="en-IN" dirty="0"/>
-          </a:p>
-        </p:txBody>
-      </p:sp>
-    </p:spTree>
-    <p:extLst>
-      <p:ext uri="{BB962C8B-B14F-4D97-AF65-F5344CB8AC3E}">
-        <p14:creationId xmlns:p14="http://schemas.microsoft.com/office/powerpoint/2010/main" val="131268400"/>
-      </p:ext>
-    </p:extLst>
-  </p:cSld>
-  <p:clrMapOvr>
-    <a:masterClrMapping/>
-  </p:clrMapOvr>
-</p:notes>
-</file>
-
-<file path=ppt/notesSlides/notesSlide8.xml><?xml version="1.0" encoding="utf-8"?>
-<p:notes xmlns:a="http://schemas.openxmlformats.org/drawingml/2006/main" xmlns:r="http://schemas.openxmlformats.org/officeDocument/2006/relationships" xmlns:p="http://schemas.openxmlformats.org/presentationml/2006/main">
-  <p:cSld>
-    <p:spTree>
-      <p:nvGrpSpPr>
-        <p:cNvPr id="1" name=""/>
-        <p:cNvGrpSpPr/>
-        <p:nvPr/>
-      </p:nvGrpSpPr>
-      <p:grpSpPr>
-        <a:xfrm>
-          <a:off x="0" y="0"/>
-          <a:ext cx="0" cy="0"/>
-          <a:chOff x="0" y="0"/>
-          <a:chExt cx="0" cy="0"/>
-        </a:xfrm>
-      </p:grpSpPr>
-      <p:sp>
-        <p:nvSpPr>
-          <p:cNvPr id="2" name="Slide Image Placeholder 1"/>
-          <p:cNvSpPr>
-            <a:spLocks noGrp="1" noRot="1" noChangeAspect="1"/>
-          </p:cNvSpPr>
-          <p:nvPr>
-            <p:ph type="sldImg"/>
-          </p:nvPr>
-        </p:nvSpPr>
-        <p:spPr/>
-        <p:txBody>
-          <a:bodyPr/>
-          <a:lstStyle/>
-          <a:p>
-            <a:endParaRPr lang="en-IN"/>
-          </a:p>
-        </p:txBody>
-      </p:sp>
-      <p:sp>
-        <p:nvSpPr>
-          <p:cNvPr id="3" name="Notes Placeholder 2"/>
-          <p:cNvSpPr>
-            <a:spLocks noGrp="1"/>
-          </p:cNvSpPr>
-          <p:nvPr>
-            <p:ph type="body" idx="1"/>
-          </p:nvPr>
-        </p:nvSpPr>
-        <p:spPr/>
-        <p:txBody>
-          <a:bodyPr/>
-          <a:lstStyle/>
-          <a:p>
-            <a:endParaRPr lang="en-IN" dirty="0"/>
-          </a:p>
-        </p:txBody>
-      </p:sp>
-      <p:sp>
-        <p:nvSpPr>
-          <p:cNvPr id="4" name="Slide Number Placeholder 3"/>
-          <p:cNvSpPr>
-            <a:spLocks noGrp="1"/>
-          </p:cNvSpPr>
-          <p:nvPr>
-            <p:ph type="sldNum" sz="quarter" idx="5"/>
-          </p:nvPr>
-        </p:nvSpPr>
-        <p:spPr/>
-        <p:txBody>
-          <a:bodyPr/>
-          <a:lstStyle/>
-          <a:p>
-            <a:fld id="{53814F31-D386-46E2-B2B0-D380B139DE80}" type="slidenum">
-              <a:rPr lang="en-IN" smtClean="0"/>
-              <a:t>16</a:t>
+              <a:t>15</a:t>
             </a:fld>
             <a:endParaRPr lang="en-IN" dirty="0"/>
           </a:p>
@@ -3112,7 +2881,7 @@
 </p:notes>
 </file>
 
-<file path=ppt/notesSlides/notesSlide9.xml><?xml version="1.0" encoding="utf-8"?>
+<file path=ppt/notesSlides/notesSlide8.xml><?xml version="1.0" encoding="utf-8"?>
 <p:notes xmlns:a="http://schemas.openxmlformats.org/drawingml/2006/main" xmlns:r="http://schemas.openxmlformats.org/officeDocument/2006/relationships" xmlns:p="http://schemas.openxmlformats.org/presentationml/2006/main">
   <p:cSld>
     <p:spTree>
@@ -3208,7 +2977,7 @@
           <a:p>
             <a:fld id="{53814F31-D386-46E2-B2B0-D380B139DE80}" type="slidenum">
               <a:rPr lang="en-IN" smtClean="0"/>
-              <a:t>17</a:t>
+              <a:t>16</a:t>
             </a:fld>
             <a:endParaRPr lang="en-IN" dirty="0"/>
           </a:p>
@@ -3218,6 +2987,121 @@
     <p:extLst>
       <p:ext uri="{BB962C8B-B14F-4D97-AF65-F5344CB8AC3E}">
         <p14:creationId xmlns:p14="http://schemas.microsoft.com/office/powerpoint/2010/main" val="667328342"/>
+      </p:ext>
+    </p:extLst>
+  </p:cSld>
+  <p:clrMapOvr>
+    <a:masterClrMapping/>
+  </p:clrMapOvr>
+</p:notes>
+</file>
+
+<file path=ppt/notesSlides/notesSlide9.xml><?xml version="1.0" encoding="utf-8"?>
+<p:notes xmlns:a="http://schemas.openxmlformats.org/drawingml/2006/main" xmlns:r="http://schemas.openxmlformats.org/officeDocument/2006/relationships" xmlns:p="http://schemas.openxmlformats.org/presentationml/2006/main">
+  <p:cSld>
+    <p:spTree>
+      <p:nvGrpSpPr>
+        <p:cNvPr id="1" name="">
+          <a:extLst>
+            <a:ext uri="{FF2B5EF4-FFF2-40B4-BE49-F238E27FC236}">
+              <a16:creationId xmlns:a16="http://schemas.microsoft.com/office/drawing/2014/main" id="{563CE540-B7DE-69D0-B1F1-924C378B79B1}"/>
+            </a:ext>
+          </a:extLst>
+        </p:cNvPr>
+        <p:cNvGrpSpPr/>
+        <p:nvPr/>
+      </p:nvGrpSpPr>
+      <p:grpSpPr>
+        <a:xfrm>
+          <a:off x="0" y="0"/>
+          <a:ext cx="0" cy="0"/>
+          <a:chOff x="0" y="0"/>
+          <a:chExt cx="0" cy="0"/>
+        </a:xfrm>
+      </p:grpSpPr>
+      <p:sp>
+        <p:nvSpPr>
+          <p:cNvPr id="2" name="Slide Image Placeholder 1">
+            <a:extLst>
+              <a:ext uri="{FF2B5EF4-FFF2-40B4-BE49-F238E27FC236}">
+                <a16:creationId xmlns:a16="http://schemas.microsoft.com/office/drawing/2014/main" id="{06D93AA3-77CA-AAD5-D0A2-62926BA33500}"/>
+              </a:ext>
+            </a:extLst>
+          </p:cNvPr>
+          <p:cNvSpPr>
+            <a:spLocks noGrp="1" noRot="1" noChangeAspect="1"/>
+          </p:cNvSpPr>
+          <p:nvPr>
+            <p:ph type="sldImg"/>
+          </p:nvPr>
+        </p:nvSpPr>
+        <p:spPr/>
+        <p:txBody>
+          <a:bodyPr/>
+          <a:lstStyle/>
+          <a:p>
+            <a:endParaRPr lang="en-IN"/>
+          </a:p>
+        </p:txBody>
+      </p:sp>
+      <p:sp>
+        <p:nvSpPr>
+          <p:cNvPr id="3" name="Notes Placeholder 2">
+            <a:extLst>
+              <a:ext uri="{FF2B5EF4-FFF2-40B4-BE49-F238E27FC236}">
+                <a16:creationId xmlns:a16="http://schemas.microsoft.com/office/drawing/2014/main" id="{37539A3C-6C8C-33C7-CD71-C5657C30AAF0}"/>
+              </a:ext>
+            </a:extLst>
+          </p:cNvPr>
+          <p:cNvSpPr>
+            <a:spLocks noGrp="1"/>
+          </p:cNvSpPr>
+          <p:nvPr>
+            <p:ph type="body" idx="1"/>
+          </p:nvPr>
+        </p:nvSpPr>
+        <p:spPr/>
+        <p:txBody>
+          <a:bodyPr/>
+          <a:lstStyle/>
+          <a:p>
+            <a:endParaRPr lang="en-IN" dirty="0"/>
+          </a:p>
+        </p:txBody>
+      </p:sp>
+      <p:sp>
+        <p:nvSpPr>
+          <p:cNvPr id="4" name="Slide Number Placeholder 3">
+            <a:extLst>
+              <a:ext uri="{FF2B5EF4-FFF2-40B4-BE49-F238E27FC236}">
+                <a16:creationId xmlns:a16="http://schemas.microsoft.com/office/drawing/2014/main" id="{8D12311C-63B2-62CD-48E6-C7040A6A08C7}"/>
+              </a:ext>
+            </a:extLst>
+          </p:cNvPr>
+          <p:cNvSpPr>
+            <a:spLocks noGrp="1"/>
+          </p:cNvSpPr>
+          <p:nvPr>
+            <p:ph type="sldNum" sz="quarter" idx="5"/>
+          </p:nvPr>
+        </p:nvSpPr>
+        <p:spPr/>
+        <p:txBody>
+          <a:bodyPr/>
+          <a:lstStyle/>
+          <a:p>
+            <a:fld id="{53814F31-D386-46E2-B2B0-D380B139DE80}" type="slidenum">
+              <a:rPr lang="en-IN" smtClean="0"/>
+              <a:t>17</a:t>
+            </a:fld>
+            <a:endParaRPr lang="en-IN" dirty="0"/>
+          </a:p>
+        </p:txBody>
+      </p:sp>
+    </p:spTree>
+    <p:extLst>
+      <p:ext uri="{BB962C8B-B14F-4D97-AF65-F5344CB8AC3E}">
+        <p14:creationId xmlns:p14="http://schemas.microsoft.com/office/powerpoint/2010/main" val="2555531889"/>
       </p:ext>
     </p:extLst>
   </p:cSld>
@@ -6900,270 +6784,6 @@
   <p:cSld>
     <p:spTree>
       <p:nvGrpSpPr>
-        <p:cNvPr id="1" name=""/>
-        <p:cNvGrpSpPr/>
-        <p:nvPr/>
-      </p:nvGrpSpPr>
-      <p:grpSpPr>
-        <a:xfrm>
-          <a:off x="0" y="0"/>
-          <a:ext cx="0" cy="0"/>
-          <a:chOff x="0" y="0"/>
-          <a:chExt cx="0" cy="0"/>
-        </a:xfrm>
-      </p:grpSpPr>
-      <p:cxnSp>
-        <p:nvCxnSpPr>
-          <p:cNvPr id="5" name="Straight Connector 4">
-            <a:extLst>
-              <a:ext uri="{FF2B5EF4-FFF2-40B4-BE49-F238E27FC236}">
-                <a16:creationId xmlns:a16="http://schemas.microsoft.com/office/drawing/2014/main" id="{F0771D9B-C019-9873-7818-871C76C18BCA}"/>
-              </a:ext>
-            </a:extLst>
-          </p:cNvPr>
-          <p:cNvCxnSpPr>
-            <a:cxnSpLocks/>
-          </p:cNvCxnSpPr>
-          <p:nvPr/>
-        </p:nvCxnSpPr>
-        <p:spPr>
-          <a:xfrm flipH="1">
-            <a:off x="899311" y="585487"/>
-            <a:ext cx="10701196" cy="0"/>
-          </a:xfrm>
-          <a:prstGeom prst="line">
-            <a:avLst/>
-          </a:prstGeom>
-          <a:ln w="3175">
-            <a:solidFill>
-              <a:schemeClr val="bg1">
-                <a:lumMod val="50000"/>
-              </a:schemeClr>
-            </a:solidFill>
-          </a:ln>
-        </p:spPr>
-        <p:style>
-          <a:lnRef idx="2">
-            <a:schemeClr val="accent1"/>
-          </a:lnRef>
-          <a:fillRef idx="0">
-            <a:schemeClr val="accent1"/>
-          </a:fillRef>
-          <a:effectRef idx="1">
-            <a:schemeClr val="accent1"/>
-          </a:effectRef>
-          <a:fontRef idx="minor">
-            <a:schemeClr val="tx1"/>
-          </a:fontRef>
-        </p:style>
-      </p:cxnSp>
-      <p:pic>
-        <p:nvPicPr>
-          <p:cNvPr id="6" name="Picture 5">
-            <a:extLst>
-              <a:ext uri="{FF2B5EF4-FFF2-40B4-BE49-F238E27FC236}">
-                <a16:creationId xmlns:a16="http://schemas.microsoft.com/office/drawing/2014/main" id="{4FC37251-85D3-9666-1131-09F8BEB9209F}"/>
-              </a:ext>
-            </a:extLst>
-          </p:cNvPr>
-          <p:cNvPicPr>
-            <a:picLocks noChangeAspect="1"/>
-          </p:cNvPicPr>
-          <p:nvPr/>
-        </p:nvPicPr>
-        <p:blipFill>
-          <a:blip r:embed="rId3">
-            <a:extLst>
-              <a:ext uri="{28A0092B-C50C-407E-A947-70E740481C1C}">
-                <a14:useLocalDpi xmlns:a14="http://schemas.microsoft.com/office/drawing/2010/main" val="0"/>
-              </a:ext>
-            </a:extLst>
-          </a:blip>
-          <a:stretch>
-            <a:fillRect/>
-          </a:stretch>
-        </p:blipFill>
-        <p:spPr>
-          <a:xfrm>
-            <a:off x="331906" y="468417"/>
-            <a:ext cx="437914" cy="152296"/>
-          </a:xfrm>
-          <a:prstGeom prst="rect">
-            <a:avLst/>
-          </a:prstGeom>
-        </p:spPr>
-      </p:pic>
-      <p:sp>
-        <p:nvSpPr>
-          <p:cNvPr id="3" name="TextBox 2">
-            <a:extLst>
-              <a:ext uri="{FF2B5EF4-FFF2-40B4-BE49-F238E27FC236}">
-                <a16:creationId xmlns:a16="http://schemas.microsoft.com/office/drawing/2014/main" id="{37DBFF98-BC9F-1915-6214-6F9E28B99F60}"/>
-              </a:ext>
-            </a:extLst>
-          </p:cNvPr>
-          <p:cNvSpPr txBox="1"/>
-          <p:nvPr/>
-        </p:nvSpPr>
-        <p:spPr>
-          <a:xfrm>
-            <a:off x="3048886" y="3302813"/>
-            <a:ext cx="6097772" cy="369332"/>
-          </a:xfrm>
-          <a:prstGeom prst="rect">
-            <a:avLst/>
-          </a:prstGeom>
-          <a:noFill/>
-        </p:spPr>
-        <p:txBody>
-          <a:bodyPr wrap="square">
-            <a:spAutoFit/>
-          </a:bodyPr>
-          <a:lstStyle/>
-          <a:p>
-            <a:r>
-              <a:rPr lang="en-IN" dirty="0"/>
-              <a:t>What is the total revenue contribution by each vehicle type</a:t>
-            </a:r>
-          </a:p>
-        </p:txBody>
-      </p:sp>
-      <p:sp>
-        <p:nvSpPr>
-          <p:cNvPr id="11" name="TextBox 10">
-            <a:extLst>
-              <a:ext uri="{FF2B5EF4-FFF2-40B4-BE49-F238E27FC236}">
-                <a16:creationId xmlns:a16="http://schemas.microsoft.com/office/drawing/2014/main" id="{229B39EF-32BB-1236-2FEE-C497255EEA48}"/>
-              </a:ext>
-            </a:extLst>
-          </p:cNvPr>
-          <p:cNvSpPr txBox="1"/>
-          <p:nvPr/>
-        </p:nvSpPr>
-        <p:spPr>
-          <a:xfrm>
-            <a:off x="706179" y="0"/>
-            <a:ext cx="11485821" cy="584775"/>
-          </a:xfrm>
-          <a:prstGeom prst="rect">
-            <a:avLst/>
-          </a:prstGeom>
-          <a:noFill/>
-        </p:spPr>
-        <p:txBody>
-          <a:bodyPr wrap="square">
-            <a:spAutoFit/>
-          </a:bodyPr>
-          <a:lstStyle>
-            <a:defPPr>
-              <a:defRPr lang="en-US"/>
-            </a:defPPr>
-            <a:lvl1pPr algn="ctr">
-              <a:defRPr sz="3200" b="1">
-                <a:solidFill>
-                  <a:srgbClr val="FF0000"/>
-                </a:solidFill>
-              </a:defRPr>
-            </a:lvl1pPr>
-          </a:lstStyle>
-          <a:p>
-            <a:r>
-              <a:rPr lang="en-IN" dirty="0"/>
-              <a:t>What is the total revenue contribution by each vehicle type</a:t>
-            </a:r>
-          </a:p>
-        </p:txBody>
-      </p:sp>
-      <p:pic>
-        <p:nvPicPr>
-          <p:cNvPr id="15" name="Picture 14" descr="A screenshot of a computer&#10;&#10;AI-generated content may be incorrect.">
-            <a:extLst>
-              <a:ext uri="{FF2B5EF4-FFF2-40B4-BE49-F238E27FC236}">
-                <a16:creationId xmlns:a16="http://schemas.microsoft.com/office/drawing/2014/main" id="{9FD12E78-199A-BCF2-12E3-2D1943739295}"/>
-              </a:ext>
-            </a:extLst>
-          </p:cNvPr>
-          <p:cNvPicPr>
-            <a:picLocks noChangeAspect="1"/>
-          </p:cNvPicPr>
-          <p:nvPr/>
-        </p:nvPicPr>
-        <p:blipFill>
-          <a:blip r:embed="rId4">
-            <a:extLst>
-              <a:ext uri="{28A0092B-C50C-407E-A947-70E740481C1C}">
-                <a14:useLocalDpi xmlns:a14="http://schemas.microsoft.com/office/drawing/2010/main" val="0"/>
-              </a:ext>
-            </a:extLst>
-          </a:blip>
-          <a:stretch>
-            <a:fillRect/>
-          </a:stretch>
-        </p:blipFill>
-        <p:spPr>
-          <a:xfrm>
-            <a:off x="1682967" y="4348718"/>
-            <a:ext cx="2413591" cy="1923795"/>
-          </a:xfrm>
-          <a:prstGeom prst="rect">
-            <a:avLst/>
-          </a:prstGeom>
-        </p:spPr>
-      </p:pic>
-      <p:pic>
-        <p:nvPicPr>
-          <p:cNvPr id="17" name="Picture 16" descr="A screenshot of a computer code&#10;&#10;AI-generated content may be incorrect.">
-            <a:extLst>
-              <a:ext uri="{FF2B5EF4-FFF2-40B4-BE49-F238E27FC236}">
-                <a16:creationId xmlns:a16="http://schemas.microsoft.com/office/drawing/2014/main" id="{FFCA6885-0E12-4B22-C530-5A9128391B86}"/>
-              </a:ext>
-            </a:extLst>
-          </p:cNvPr>
-          <p:cNvPicPr>
-            <a:picLocks noChangeAspect="1"/>
-          </p:cNvPicPr>
-          <p:nvPr/>
-        </p:nvPicPr>
-        <p:blipFill>
-          <a:blip r:embed="rId5">
-            <a:extLst>
-              <a:ext uri="{28A0092B-C50C-407E-A947-70E740481C1C}">
-                <a14:useLocalDpi xmlns:a14="http://schemas.microsoft.com/office/drawing/2010/main" val="0"/>
-              </a:ext>
-            </a:extLst>
-          </a:blip>
-          <a:stretch>
-            <a:fillRect/>
-          </a:stretch>
-        </p:blipFill>
-        <p:spPr>
-          <a:xfrm>
-            <a:off x="3848986" y="1485554"/>
-            <a:ext cx="5297672" cy="2480389"/>
-          </a:xfrm>
-          <a:prstGeom prst="rect">
-            <a:avLst/>
-          </a:prstGeom>
-        </p:spPr>
-      </p:pic>
-    </p:spTree>
-    <p:extLst>
-      <p:ext uri="{BB962C8B-B14F-4D97-AF65-F5344CB8AC3E}">
-        <p14:creationId xmlns:p14="http://schemas.microsoft.com/office/powerpoint/2010/main" val="2347216542"/>
-      </p:ext>
-    </p:extLst>
-  </p:cSld>
-  <p:clrMapOvr>
-    <a:masterClrMapping/>
-  </p:clrMapOvr>
-</p:sld>
-</file>
-
-<file path=ppt/slides/slide11.xml><?xml version="1.0" encoding="utf-8"?>
-<p:sld xmlns:a="http://schemas.openxmlformats.org/drawingml/2006/main" xmlns:r="http://schemas.openxmlformats.org/officeDocument/2006/relationships" xmlns:p="http://schemas.openxmlformats.org/presentationml/2006/main">
-  <p:cSld>
-    <p:spTree>
-      <p:nvGrpSpPr>
         <p:cNvPr id="1" name="">
           <a:extLst>
             <a:ext uri="{FF2B5EF4-FFF2-40B4-BE49-F238E27FC236}">
@@ -7430,7 +7050,7 @@
 </p:sld>
 </file>
 
-<file path=ppt/slides/slide12.xml><?xml version="1.0" encoding="utf-8"?>
+<file path=ppt/slides/slide11.xml><?xml version="1.0" encoding="utf-8"?>
 <p:sld xmlns:a="http://schemas.openxmlformats.org/drawingml/2006/main" xmlns:r="http://schemas.openxmlformats.org/officeDocument/2006/relationships" xmlns:p="http://schemas.openxmlformats.org/presentationml/2006/main">
   <p:cSld>
     <p:spTree>
@@ -7701,7 +7321,7 @@
 </p:sld>
 </file>
 
-<file path=ppt/slides/slide13.xml><?xml version="1.0" encoding="utf-8"?>
+<file path=ppt/slides/slide12.xml><?xml version="1.0" encoding="utf-8"?>
 <p:sld xmlns:a="http://schemas.openxmlformats.org/drawingml/2006/main" xmlns:r="http://schemas.openxmlformats.org/officeDocument/2006/relationships" xmlns:p="http://schemas.openxmlformats.org/presentationml/2006/main">
   <p:cSld>
     <p:spTree>
@@ -8074,7 +7694,7 @@
 </p:sld>
 </file>
 
-<file path=ppt/slides/slide14.xml><?xml version="1.0" encoding="utf-8"?>
+<file path=ppt/slides/slide13.xml><?xml version="1.0" encoding="utf-8"?>
 <p:sld xmlns:a="http://schemas.openxmlformats.org/drawingml/2006/main" xmlns:r="http://schemas.openxmlformats.org/officeDocument/2006/relationships" xmlns:p="http://schemas.openxmlformats.org/presentationml/2006/main">
   <p:cSld>
     <p:bg>
@@ -8347,7 +7967,7 @@
 </p:sld>
 </file>
 
-<file path=ppt/slides/slide15.xml><?xml version="1.0" encoding="utf-8"?>
+<file path=ppt/slides/slide14.xml><?xml version="1.0" encoding="utf-8"?>
 <p:sld xmlns:a="http://schemas.openxmlformats.org/drawingml/2006/main" xmlns:r="http://schemas.openxmlformats.org/officeDocument/2006/relationships" xmlns:p="http://schemas.openxmlformats.org/presentationml/2006/main">
   <p:cSld>
     <p:spTree>
@@ -8618,7 +8238,7 @@
 </p:sld>
 </file>
 
-<file path=ppt/slides/slide16.xml><?xml version="1.0" encoding="utf-8"?>
+<file path=ppt/slides/slide15.xml><?xml version="1.0" encoding="utf-8"?>
 <p:sld xmlns:a="http://schemas.openxmlformats.org/drawingml/2006/main" xmlns:r="http://schemas.openxmlformats.org/officeDocument/2006/relationships" xmlns:p="http://schemas.openxmlformats.org/presentationml/2006/main">
   <p:cSld>
     <p:spTree>
@@ -8948,7 +8568,7 @@
 </p:sld>
 </file>
 
-<file path=ppt/slides/slide17.xml><?xml version="1.0" encoding="utf-8"?>
+<file path=ppt/slides/slide16.xml><?xml version="1.0" encoding="utf-8"?>
 <p:sld xmlns:a="http://schemas.openxmlformats.org/drawingml/2006/main" xmlns:r="http://schemas.openxmlformats.org/officeDocument/2006/relationships" xmlns:p="http://schemas.openxmlformats.org/presentationml/2006/main">
   <p:cSld>
     <p:spTree>
@@ -9222,7 +8842,7 @@
 </p:sld>
 </file>
 
-<file path=ppt/slides/slide18.xml><?xml version="1.0" encoding="utf-8"?>
+<file path=ppt/slides/slide17.xml><?xml version="1.0" encoding="utf-8"?>
 <p:sld xmlns:a="http://schemas.openxmlformats.org/drawingml/2006/main" xmlns:r="http://schemas.openxmlformats.org/officeDocument/2006/relationships" xmlns:p="http://schemas.openxmlformats.org/presentationml/2006/main">
   <p:cSld>
     <p:spTree>
@@ -9552,7 +9172,7 @@
 </p:sld>
 </file>
 
-<file path=ppt/slides/slide19.xml><?xml version="1.0" encoding="utf-8"?>
+<file path=ppt/slides/slide18.xml><?xml version="1.0" encoding="utf-8"?>
 <p:sld xmlns:a="http://schemas.openxmlformats.org/drawingml/2006/main" xmlns:r="http://schemas.openxmlformats.org/officeDocument/2006/relationships" xmlns:p="http://schemas.openxmlformats.org/presentationml/2006/main">
   <p:cSld>
     <p:spTree>
@@ -9817,6 +9437,280 @@
     <p:extLst>
       <p:ext uri="{BB962C8B-B14F-4D97-AF65-F5344CB8AC3E}">
         <p14:creationId xmlns:p14="http://schemas.microsoft.com/office/powerpoint/2010/main" val="2708296933"/>
+      </p:ext>
+    </p:extLst>
+  </p:cSld>
+  <p:clrMapOvr>
+    <a:masterClrMapping/>
+  </p:clrMapOvr>
+</p:sld>
+</file>
+
+<file path=ppt/slides/slide19.xml><?xml version="1.0" encoding="utf-8"?>
+<p:sld xmlns:a="http://schemas.openxmlformats.org/drawingml/2006/main" xmlns:r="http://schemas.openxmlformats.org/officeDocument/2006/relationships" xmlns:p="http://schemas.openxmlformats.org/presentationml/2006/main">
+  <p:cSld>
+    <p:spTree>
+      <p:nvGrpSpPr>
+        <p:cNvPr id="1" name="">
+          <a:extLst>
+            <a:ext uri="{FF2B5EF4-FFF2-40B4-BE49-F238E27FC236}">
+              <a16:creationId xmlns:a16="http://schemas.microsoft.com/office/drawing/2014/main" id="{4D390ACA-303F-9FE5-8374-4AE5F39D7A8A}"/>
+            </a:ext>
+          </a:extLst>
+        </p:cNvPr>
+        <p:cNvGrpSpPr/>
+        <p:nvPr/>
+      </p:nvGrpSpPr>
+      <p:grpSpPr>
+        <a:xfrm>
+          <a:off x="0" y="0"/>
+          <a:ext cx="0" cy="0"/>
+          <a:chOff x="0" y="0"/>
+          <a:chExt cx="0" cy="0"/>
+        </a:xfrm>
+      </p:grpSpPr>
+      <p:pic>
+        <p:nvPicPr>
+          <p:cNvPr id="9" name="Picture 8">
+            <a:extLst>
+              <a:ext uri="{FF2B5EF4-FFF2-40B4-BE49-F238E27FC236}">
+                <a16:creationId xmlns:a16="http://schemas.microsoft.com/office/drawing/2014/main" id="{5BDD7CF1-4703-BD6F-BEE8-947AC2DC8B77}"/>
+              </a:ext>
+            </a:extLst>
+          </p:cNvPr>
+          <p:cNvPicPr>
+            <a:picLocks noChangeAspect="1"/>
+          </p:cNvPicPr>
+          <p:nvPr/>
+        </p:nvPicPr>
+        <p:blipFill>
+          <a:blip r:embed="rId3">
+            <a:alphaModFix amt="8000"/>
+            <a:extLst>
+              <a:ext uri="{28A0092B-C50C-407E-A947-70E740481C1C}">
+                <a14:useLocalDpi xmlns:a14="http://schemas.microsoft.com/office/drawing/2010/main" val="0"/>
+              </a:ext>
+            </a:extLst>
+          </a:blip>
+          <a:srcRect t="15625"/>
+          <a:stretch/>
+        </p:blipFill>
+        <p:spPr>
+          <a:xfrm>
+            <a:off x="253150" y="191386"/>
+            <a:ext cx="12192000" cy="6858000"/>
+          </a:xfrm>
+          <a:prstGeom prst="rect">
+            <a:avLst/>
+          </a:prstGeom>
+        </p:spPr>
+      </p:pic>
+      <p:cxnSp>
+        <p:nvCxnSpPr>
+          <p:cNvPr id="2" name="Straight Connector 1">
+            <a:extLst>
+              <a:ext uri="{FF2B5EF4-FFF2-40B4-BE49-F238E27FC236}">
+                <a16:creationId xmlns:a16="http://schemas.microsoft.com/office/drawing/2014/main" id="{0856B360-9EE9-9D87-979E-3381E94AF1D0}"/>
+              </a:ext>
+            </a:extLst>
+          </p:cNvPr>
+          <p:cNvCxnSpPr>
+            <a:cxnSpLocks/>
+          </p:cNvCxnSpPr>
+          <p:nvPr/>
+        </p:nvCxnSpPr>
+        <p:spPr>
+          <a:xfrm flipH="1">
+            <a:off x="882502" y="614105"/>
+            <a:ext cx="11217349" cy="0"/>
+          </a:xfrm>
+          <a:prstGeom prst="line">
+            <a:avLst/>
+          </a:prstGeom>
+          <a:ln w="3175">
+            <a:solidFill>
+              <a:schemeClr val="bg1">
+                <a:lumMod val="50000"/>
+              </a:schemeClr>
+            </a:solidFill>
+          </a:ln>
+        </p:spPr>
+        <p:style>
+          <a:lnRef idx="2">
+            <a:schemeClr val="accent1"/>
+          </a:lnRef>
+          <a:fillRef idx="0">
+            <a:schemeClr val="accent1"/>
+          </a:fillRef>
+          <a:effectRef idx="1">
+            <a:schemeClr val="accent1"/>
+          </a:effectRef>
+          <a:fontRef idx="minor">
+            <a:schemeClr val="tx1"/>
+          </a:fontRef>
+        </p:style>
+      </p:cxnSp>
+      <p:pic>
+        <p:nvPicPr>
+          <p:cNvPr id="4" name="Picture 3">
+            <a:extLst>
+              <a:ext uri="{FF2B5EF4-FFF2-40B4-BE49-F238E27FC236}">
+                <a16:creationId xmlns:a16="http://schemas.microsoft.com/office/drawing/2014/main" id="{811BB0D8-2B7E-61B8-FAB4-E0BF020E479C}"/>
+              </a:ext>
+            </a:extLst>
+          </p:cNvPr>
+          <p:cNvPicPr>
+            <a:picLocks noChangeAspect="1"/>
+          </p:cNvPicPr>
+          <p:nvPr/>
+        </p:nvPicPr>
+        <p:blipFill>
+          <a:blip r:embed="rId4">
+            <a:extLst>
+              <a:ext uri="{28A0092B-C50C-407E-A947-70E740481C1C}">
+                <a14:useLocalDpi xmlns:a14="http://schemas.microsoft.com/office/drawing/2010/main" val="0"/>
+              </a:ext>
+            </a:extLst>
+          </a:blip>
+          <a:stretch>
+            <a:fillRect/>
+          </a:stretch>
+        </p:blipFill>
+        <p:spPr>
+          <a:xfrm>
+            <a:off x="331905" y="533452"/>
+            <a:ext cx="437914" cy="152296"/>
+          </a:xfrm>
+          <a:prstGeom prst="rect">
+            <a:avLst/>
+          </a:prstGeom>
+        </p:spPr>
+      </p:pic>
+      <p:sp>
+        <p:nvSpPr>
+          <p:cNvPr id="10" name="Rectangle: Rounded Corners 9">
+            <a:extLst>
+              <a:ext uri="{FF2B5EF4-FFF2-40B4-BE49-F238E27FC236}">
+                <a16:creationId xmlns:a16="http://schemas.microsoft.com/office/drawing/2014/main" id="{FF547DB7-07DF-DD6A-4C68-1AA9045B6CBB}"/>
+              </a:ext>
+            </a:extLst>
+          </p:cNvPr>
+          <p:cNvSpPr>
+            <a:spLocks/>
+          </p:cNvSpPr>
+          <p:nvPr/>
+        </p:nvSpPr>
+        <p:spPr>
+          <a:xfrm>
+            <a:off x="657187" y="7858"/>
+            <a:ext cx="11090276" cy="601742"/>
+          </a:xfrm>
+          <a:prstGeom prst="roundRect">
+            <a:avLst>
+              <a:gd name="adj" fmla="val 5248"/>
+            </a:avLst>
+          </a:prstGeom>
+          <a:noFill/>
+        </p:spPr>
+        <p:txBody>
+          <a:bodyPr wrap="square">
+            <a:spAutoFit/>
+          </a:bodyPr>
+          <a:lstStyle/>
+          <a:p>
+            <a:pPr algn="ctr"/>
+            <a:r>
+              <a:rPr lang="en-GB" sz="3200" b="1">
+                <a:solidFill>
+                  <a:srgbClr val="FF0000"/>
+                </a:solidFill>
+              </a:rPr>
+              <a:t>How many loyal customers have taken more than one ride</a:t>
+            </a:r>
+            <a:endParaRPr lang="en-IN" sz="3200" b="1" dirty="0">
+              <a:solidFill>
+                <a:srgbClr val="FF0000"/>
+              </a:solidFill>
+            </a:endParaRPr>
+          </a:p>
+        </p:txBody>
+      </p:sp>
+      <p:pic>
+        <p:nvPicPr>
+          <p:cNvPr id="6" name="Picture 5" descr="A screenshot of a computer code&#10;&#10;AI-generated content may be incorrect.">
+            <a:extLst>
+              <a:ext uri="{FF2B5EF4-FFF2-40B4-BE49-F238E27FC236}">
+                <a16:creationId xmlns:a16="http://schemas.microsoft.com/office/drawing/2014/main" id="{35BBA522-410D-5447-41B2-48F39F3029FD}"/>
+              </a:ext>
+            </a:extLst>
+          </p:cNvPr>
+          <p:cNvPicPr>
+            <a:picLocks noChangeAspect="1"/>
+          </p:cNvPicPr>
+          <p:nvPr/>
+        </p:nvPicPr>
+        <p:blipFill>
+          <a:blip r:embed="rId5">
+            <a:extLst>
+              <a:ext uri="{28A0092B-C50C-407E-A947-70E740481C1C}">
+                <a14:useLocalDpi xmlns:a14="http://schemas.microsoft.com/office/drawing/2010/main" val="0"/>
+              </a:ext>
+            </a:extLst>
+          </a:blip>
+          <a:stretch>
+            <a:fillRect/>
+          </a:stretch>
+        </p:blipFill>
+        <p:spPr>
+          <a:xfrm>
+            <a:off x="3987209" y="1445934"/>
+            <a:ext cx="5007934" cy="2174452"/>
+          </a:xfrm>
+          <a:prstGeom prst="rect">
+            <a:avLst/>
+          </a:prstGeom>
+        </p:spPr>
+      </p:pic>
+      <p:pic>
+        <p:nvPicPr>
+          <p:cNvPr id="11" name="Picture 10" descr="A close up of a box&#10;&#10;AI-generated content may be incorrect.">
+            <a:extLst>
+              <a:ext uri="{FF2B5EF4-FFF2-40B4-BE49-F238E27FC236}">
+                <a16:creationId xmlns:a16="http://schemas.microsoft.com/office/drawing/2014/main" id="{B6FEA0D8-1B9F-ED4E-7DFC-DCF6233C73EF}"/>
+              </a:ext>
+            </a:extLst>
+          </p:cNvPr>
+          <p:cNvPicPr>
+            <a:picLocks noChangeAspect="1"/>
+          </p:cNvPicPr>
+          <p:nvPr/>
+        </p:nvPicPr>
+        <p:blipFill>
+          <a:blip r:embed="rId6">
+            <a:extLst>
+              <a:ext uri="{28A0092B-C50C-407E-A947-70E740481C1C}">
+                <a14:useLocalDpi xmlns:a14="http://schemas.microsoft.com/office/drawing/2010/main" val="0"/>
+              </a:ext>
+            </a:extLst>
+          </a:blip>
+          <a:stretch>
+            <a:fillRect/>
+          </a:stretch>
+        </p:blipFill>
+        <p:spPr>
+          <a:xfrm>
+            <a:off x="2279026" y="4452214"/>
+            <a:ext cx="1803876" cy="682867"/>
+          </a:xfrm>
+          <a:prstGeom prst="rect">
+            <a:avLst/>
+          </a:prstGeom>
+        </p:spPr>
+      </p:pic>
+    </p:spTree>
+    <p:extLst>
+      <p:ext uri="{BB962C8B-B14F-4D97-AF65-F5344CB8AC3E}">
+        <p14:creationId xmlns:p14="http://schemas.microsoft.com/office/powerpoint/2010/main" val="61013034"/>
       </p:ext>
     </p:extLst>
   </p:cSld>
@@ -10104,280 +9998,6 @@
         <p:cNvPr id="1" name="">
           <a:extLst>
             <a:ext uri="{FF2B5EF4-FFF2-40B4-BE49-F238E27FC236}">
-              <a16:creationId xmlns:a16="http://schemas.microsoft.com/office/drawing/2014/main" id="{4D390ACA-303F-9FE5-8374-4AE5F39D7A8A}"/>
-            </a:ext>
-          </a:extLst>
-        </p:cNvPr>
-        <p:cNvGrpSpPr/>
-        <p:nvPr/>
-      </p:nvGrpSpPr>
-      <p:grpSpPr>
-        <a:xfrm>
-          <a:off x="0" y="0"/>
-          <a:ext cx="0" cy="0"/>
-          <a:chOff x="0" y="0"/>
-          <a:chExt cx="0" cy="0"/>
-        </a:xfrm>
-      </p:grpSpPr>
-      <p:pic>
-        <p:nvPicPr>
-          <p:cNvPr id="9" name="Picture 8">
-            <a:extLst>
-              <a:ext uri="{FF2B5EF4-FFF2-40B4-BE49-F238E27FC236}">
-                <a16:creationId xmlns:a16="http://schemas.microsoft.com/office/drawing/2014/main" id="{5BDD7CF1-4703-BD6F-BEE8-947AC2DC8B77}"/>
-              </a:ext>
-            </a:extLst>
-          </p:cNvPr>
-          <p:cNvPicPr>
-            <a:picLocks noChangeAspect="1"/>
-          </p:cNvPicPr>
-          <p:nvPr/>
-        </p:nvPicPr>
-        <p:blipFill>
-          <a:blip r:embed="rId3">
-            <a:alphaModFix amt="8000"/>
-            <a:extLst>
-              <a:ext uri="{28A0092B-C50C-407E-A947-70E740481C1C}">
-                <a14:useLocalDpi xmlns:a14="http://schemas.microsoft.com/office/drawing/2010/main" val="0"/>
-              </a:ext>
-            </a:extLst>
-          </a:blip>
-          <a:srcRect t="15625"/>
-          <a:stretch/>
-        </p:blipFill>
-        <p:spPr>
-          <a:xfrm>
-            <a:off x="253150" y="191386"/>
-            <a:ext cx="12192000" cy="6858000"/>
-          </a:xfrm>
-          <a:prstGeom prst="rect">
-            <a:avLst/>
-          </a:prstGeom>
-        </p:spPr>
-      </p:pic>
-      <p:cxnSp>
-        <p:nvCxnSpPr>
-          <p:cNvPr id="2" name="Straight Connector 1">
-            <a:extLst>
-              <a:ext uri="{FF2B5EF4-FFF2-40B4-BE49-F238E27FC236}">
-                <a16:creationId xmlns:a16="http://schemas.microsoft.com/office/drawing/2014/main" id="{0856B360-9EE9-9D87-979E-3381E94AF1D0}"/>
-              </a:ext>
-            </a:extLst>
-          </p:cNvPr>
-          <p:cNvCxnSpPr>
-            <a:cxnSpLocks/>
-          </p:cNvCxnSpPr>
-          <p:nvPr/>
-        </p:nvCxnSpPr>
-        <p:spPr>
-          <a:xfrm flipH="1">
-            <a:off x="882502" y="614105"/>
-            <a:ext cx="11217349" cy="0"/>
-          </a:xfrm>
-          <a:prstGeom prst="line">
-            <a:avLst/>
-          </a:prstGeom>
-          <a:ln w="3175">
-            <a:solidFill>
-              <a:schemeClr val="bg1">
-                <a:lumMod val="50000"/>
-              </a:schemeClr>
-            </a:solidFill>
-          </a:ln>
-        </p:spPr>
-        <p:style>
-          <a:lnRef idx="2">
-            <a:schemeClr val="accent1"/>
-          </a:lnRef>
-          <a:fillRef idx="0">
-            <a:schemeClr val="accent1"/>
-          </a:fillRef>
-          <a:effectRef idx="1">
-            <a:schemeClr val="accent1"/>
-          </a:effectRef>
-          <a:fontRef idx="minor">
-            <a:schemeClr val="tx1"/>
-          </a:fontRef>
-        </p:style>
-      </p:cxnSp>
-      <p:pic>
-        <p:nvPicPr>
-          <p:cNvPr id="4" name="Picture 3">
-            <a:extLst>
-              <a:ext uri="{FF2B5EF4-FFF2-40B4-BE49-F238E27FC236}">
-                <a16:creationId xmlns:a16="http://schemas.microsoft.com/office/drawing/2014/main" id="{811BB0D8-2B7E-61B8-FAB4-E0BF020E479C}"/>
-              </a:ext>
-            </a:extLst>
-          </p:cNvPr>
-          <p:cNvPicPr>
-            <a:picLocks noChangeAspect="1"/>
-          </p:cNvPicPr>
-          <p:nvPr/>
-        </p:nvPicPr>
-        <p:blipFill>
-          <a:blip r:embed="rId4">
-            <a:extLst>
-              <a:ext uri="{28A0092B-C50C-407E-A947-70E740481C1C}">
-                <a14:useLocalDpi xmlns:a14="http://schemas.microsoft.com/office/drawing/2010/main" val="0"/>
-              </a:ext>
-            </a:extLst>
-          </a:blip>
-          <a:stretch>
-            <a:fillRect/>
-          </a:stretch>
-        </p:blipFill>
-        <p:spPr>
-          <a:xfrm>
-            <a:off x="331905" y="533452"/>
-            <a:ext cx="437914" cy="152296"/>
-          </a:xfrm>
-          <a:prstGeom prst="rect">
-            <a:avLst/>
-          </a:prstGeom>
-        </p:spPr>
-      </p:pic>
-      <p:sp>
-        <p:nvSpPr>
-          <p:cNvPr id="10" name="Rectangle: Rounded Corners 9">
-            <a:extLst>
-              <a:ext uri="{FF2B5EF4-FFF2-40B4-BE49-F238E27FC236}">
-                <a16:creationId xmlns:a16="http://schemas.microsoft.com/office/drawing/2014/main" id="{FF547DB7-07DF-DD6A-4C68-1AA9045B6CBB}"/>
-              </a:ext>
-            </a:extLst>
-          </p:cNvPr>
-          <p:cNvSpPr>
-            <a:spLocks/>
-          </p:cNvSpPr>
-          <p:nvPr/>
-        </p:nvSpPr>
-        <p:spPr>
-          <a:xfrm>
-            <a:off x="657187" y="7858"/>
-            <a:ext cx="11090276" cy="601742"/>
-          </a:xfrm>
-          <a:prstGeom prst="roundRect">
-            <a:avLst>
-              <a:gd name="adj" fmla="val 5248"/>
-            </a:avLst>
-          </a:prstGeom>
-          <a:noFill/>
-        </p:spPr>
-        <p:txBody>
-          <a:bodyPr wrap="square">
-            <a:spAutoFit/>
-          </a:bodyPr>
-          <a:lstStyle/>
-          <a:p>
-            <a:pPr algn="ctr"/>
-            <a:r>
-              <a:rPr lang="en-GB" sz="3200" b="1">
-                <a:solidFill>
-                  <a:srgbClr val="FF0000"/>
-                </a:solidFill>
-              </a:rPr>
-              <a:t>How many loyal customers have taken more than one ride</a:t>
-            </a:r>
-            <a:endParaRPr lang="en-IN" sz="3200" b="1" dirty="0">
-              <a:solidFill>
-                <a:srgbClr val="FF0000"/>
-              </a:solidFill>
-            </a:endParaRPr>
-          </a:p>
-        </p:txBody>
-      </p:sp>
-      <p:pic>
-        <p:nvPicPr>
-          <p:cNvPr id="6" name="Picture 5" descr="A screenshot of a computer code&#10;&#10;AI-generated content may be incorrect.">
-            <a:extLst>
-              <a:ext uri="{FF2B5EF4-FFF2-40B4-BE49-F238E27FC236}">
-                <a16:creationId xmlns:a16="http://schemas.microsoft.com/office/drawing/2014/main" id="{35BBA522-410D-5447-41B2-48F39F3029FD}"/>
-              </a:ext>
-            </a:extLst>
-          </p:cNvPr>
-          <p:cNvPicPr>
-            <a:picLocks noChangeAspect="1"/>
-          </p:cNvPicPr>
-          <p:nvPr/>
-        </p:nvPicPr>
-        <p:blipFill>
-          <a:blip r:embed="rId5">
-            <a:extLst>
-              <a:ext uri="{28A0092B-C50C-407E-A947-70E740481C1C}">
-                <a14:useLocalDpi xmlns:a14="http://schemas.microsoft.com/office/drawing/2010/main" val="0"/>
-              </a:ext>
-            </a:extLst>
-          </a:blip>
-          <a:stretch>
-            <a:fillRect/>
-          </a:stretch>
-        </p:blipFill>
-        <p:spPr>
-          <a:xfrm>
-            <a:off x="3987209" y="1445934"/>
-            <a:ext cx="5007934" cy="2174452"/>
-          </a:xfrm>
-          <a:prstGeom prst="rect">
-            <a:avLst/>
-          </a:prstGeom>
-        </p:spPr>
-      </p:pic>
-      <p:pic>
-        <p:nvPicPr>
-          <p:cNvPr id="11" name="Picture 10" descr="A close up of a box&#10;&#10;AI-generated content may be incorrect.">
-            <a:extLst>
-              <a:ext uri="{FF2B5EF4-FFF2-40B4-BE49-F238E27FC236}">
-                <a16:creationId xmlns:a16="http://schemas.microsoft.com/office/drawing/2014/main" id="{B6FEA0D8-1B9F-ED4E-7DFC-DCF6233C73EF}"/>
-              </a:ext>
-            </a:extLst>
-          </p:cNvPr>
-          <p:cNvPicPr>
-            <a:picLocks noChangeAspect="1"/>
-          </p:cNvPicPr>
-          <p:nvPr/>
-        </p:nvPicPr>
-        <p:blipFill>
-          <a:blip r:embed="rId6">
-            <a:extLst>
-              <a:ext uri="{28A0092B-C50C-407E-A947-70E740481C1C}">
-                <a14:useLocalDpi xmlns:a14="http://schemas.microsoft.com/office/drawing/2010/main" val="0"/>
-              </a:ext>
-            </a:extLst>
-          </a:blip>
-          <a:stretch>
-            <a:fillRect/>
-          </a:stretch>
-        </p:blipFill>
-        <p:spPr>
-          <a:xfrm>
-            <a:off x="2279026" y="4452214"/>
-            <a:ext cx="1803876" cy="682867"/>
-          </a:xfrm>
-          <a:prstGeom prst="rect">
-            <a:avLst/>
-          </a:prstGeom>
-        </p:spPr>
-      </p:pic>
-    </p:spTree>
-    <p:extLst>
-      <p:ext uri="{BB962C8B-B14F-4D97-AF65-F5344CB8AC3E}">
-        <p14:creationId xmlns:p14="http://schemas.microsoft.com/office/powerpoint/2010/main" val="61013034"/>
-      </p:ext>
-    </p:extLst>
-  </p:cSld>
-  <p:clrMapOvr>
-    <a:masterClrMapping/>
-  </p:clrMapOvr>
-</p:sld>
-</file>
-
-<file path=ppt/slides/slide21.xml><?xml version="1.0" encoding="utf-8"?>
-<p:sld xmlns:a="http://schemas.openxmlformats.org/drawingml/2006/main" xmlns:r="http://schemas.openxmlformats.org/officeDocument/2006/relationships" xmlns:p="http://schemas.openxmlformats.org/presentationml/2006/main">
-  <p:cSld>
-    <p:spTree>
-      <p:nvGrpSpPr>
-        <p:cNvPr id="1" name="">
-          <a:extLst>
-            <a:ext uri="{FF2B5EF4-FFF2-40B4-BE49-F238E27FC236}">
               <a16:creationId xmlns:a16="http://schemas.microsoft.com/office/drawing/2014/main" id="{4DB74A2E-9AB5-C3CE-7B77-418C2F49FCAF}"/>
             </a:ext>
           </a:extLst>
@@ -10743,7 +10363,7 @@
 </p:sld>
 </file>
 
-<file path=ppt/slides/slide22.xml><?xml version="1.0" encoding="utf-8"?>
+<file path=ppt/slides/slide21.xml><?xml version="1.0" encoding="utf-8"?>
 <p:sld xmlns:a="http://schemas.openxmlformats.org/drawingml/2006/main" xmlns:r="http://schemas.openxmlformats.org/officeDocument/2006/relationships" xmlns:p="http://schemas.openxmlformats.org/presentationml/2006/main">
   <p:cSld>
     <p:spTree>
@@ -11014,7 +10634,7 @@
 </p:sld>
 </file>
 
-<file path=ppt/slides/slide23.xml><?xml version="1.0" encoding="utf-8"?>
+<file path=ppt/slides/slide22.xml><?xml version="1.0" encoding="utf-8"?>
 <p:sld xmlns:a="http://schemas.openxmlformats.org/drawingml/2006/main" xmlns:r="http://schemas.openxmlformats.org/officeDocument/2006/relationships" xmlns:p="http://schemas.openxmlformats.org/presentationml/2006/main">
   <p:cSld>
     <p:spTree>
@@ -11344,7 +10964,7 @@
 </p:sld>
 </file>
 
-<file path=ppt/slides/slide24.xml><?xml version="1.0" encoding="utf-8"?>
+<file path=ppt/slides/slide23.xml><?xml version="1.0" encoding="utf-8"?>
 <p:sld xmlns:a="http://schemas.openxmlformats.org/drawingml/2006/main" xmlns:r="http://schemas.openxmlformats.org/officeDocument/2006/relationships" xmlns:p="http://schemas.openxmlformats.org/presentationml/2006/main">
   <p:cSld>
     <p:spTree>
@@ -11680,7 +11300,7 @@
 </p:sld>
 </file>
 
-<file path=ppt/slides/slide25.xml><?xml version="1.0" encoding="utf-8"?>
+<file path=ppt/slides/slide24.xml><?xml version="1.0" encoding="utf-8"?>
 <p:sld xmlns:a="http://schemas.openxmlformats.org/drawingml/2006/main" xmlns:r="http://schemas.openxmlformats.org/officeDocument/2006/relationships" xmlns:p="http://schemas.openxmlformats.org/presentationml/2006/main">
   <p:cSld>
     <p:spTree>
@@ -12011,7 +11631,7 @@
 </p:sld>
 </file>
 
-<file path=ppt/slides/slide26.xml><?xml version="1.0" encoding="utf-8"?>
+<file path=ppt/slides/slide25.xml><?xml version="1.0" encoding="utf-8"?>
 <p:sld xmlns:a="http://schemas.openxmlformats.org/drawingml/2006/main" xmlns:r="http://schemas.openxmlformats.org/officeDocument/2006/relationships" xmlns:p="http://schemas.openxmlformats.org/presentationml/2006/main">
   <p:cSld>
     <p:spTree>
@@ -12342,7 +11962,7 @@
 </p:sld>
 </file>
 
-<file path=ppt/slides/slide27.xml><?xml version="1.0" encoding="utf-8"?>
+<file path=ppt/slides/slide26.xml><?xml version="1.0" encoding="utf-8"?>
 <p:sld xmlns:a="http://schemas.openxmlformats.org/drawingml/2006/main" xmlns:r="http://schemas.openxmlformats.org/officeDocument/2006/relationships" xmlns:p="http://schemas.openxmlformats.org/presentationml/2006/main">
   <p:cSld>
     <p:bg>
@@ -12564,7 +12184,7 @@
 </p:sld>
 </file>
 
-<file path=ppt/slides/slide28.xml><?xml version="1.0" encoding="utf-8"?>
+<file path=ppt/slides/slide27.xml><?xml version="1.0" encoding="utf-8"?>
 <p:sld xmlns:a="http://schemas.openxmlformats.org/drawingml/2006/main" xmlns:r="http://schemas.openxmlformats.org/officeDocument/2006/relationships" xmlns:p="http://schemas.openxmlformats.org/presentationml/2006/main">
   <p:cSld>
     <p:bg>
@@ -12762,7 +12382,7 @@
 </p:sld>
 </file>
 
-<file path=ppt/slides/slide29.xml><?xml version="1.0" encoding="utf-8"?>
+<file path=ppt/slides/slide28.xml><?xml version="1.0" encoding="utf-8"?>
 <p:sld xmlns:a="http://schemas.openxmlformats.org/drawingml/2006/main" xmlns:r="http://schemas.openxmlformats.org/officeDocument/2006/relationships" xmlns:p="http://schemas.openxmlformats.org/presentationml/2006/main">
   <p:cSld>
     <p:bg>
@@ -12951,6 +12571,203 @@
     <p:extLst>
       <p:ext uri="{BB962C8B-B14F-4D97-AF65-F5344CB8AC3E}">
         <p14:creationId xmlns:p14="http://schemas.microsoft.com/office/powerpoint/2010/main" val="3134072813"/>
+      </p:ext>
+    </p:extLst>
+  </p:cSld>
+  <p:clrMapOvr>
+    <a:masterClrMapping/>
+  </p:clrMapOvr>
+</p:sld>
+</file>
+
+<file path=ppt/slides/slide29.xml><?xml version="1.0" encoding="utf-8"?>
+<p:sld xmlns:a="http://schemas.openxmlformats.org/drawingml/2006/main" xmlns:r="http://schemas.openxmlformats.org/officeDocument/2006/relationships" xmlns:p="http://schemas.openxmlformats.org/presentationml/2006/main">
+  <p:cSld>
+    <p:bg>
+      <p:bgPr>
+        <a:solidFill>
+          <a:schemeClr val="tx1"/>
+        </a:solidFill>
+        <a:effectLst/>
+      </p:bgPr>
+    </p:bg>
+    <p:spTree>
+      <p:nvGrpSpPr>
+        <p:cNvPr id="1" name="">
+          <a:extLst>
+            <a:ext uri="{FF2B5EF4-FFF2-40B4-BE49-F238E27FC236}">
+              <a16:creationId xmlns:a16="http://schemas.microsoft.com/office/drawing/2014/main" id="{D019D1B0-5A07-B28B-A154-D34A7A4D7F30}"/>
+            </a:ext>
+          </a:extLst>
+        </p:cNvPr>
+        <p:cNvGrpSpPr/>
+        <p:nvPr/>
+      </p:nvGrpSpPr>
+      <p:grpSpPr>
+        <a:xfrm>
+          <a:off x="0" y="0"/>
+          <a:ext cx="0" cy="0"/>
+          <a:chOff x="0" y="0"/>
+          <a:chExt cx="0" cy="0"/>
+        </a:xfrm>
+      </p:grpSpPr>
+      <p:pic>
+        <p:nvPicPr>
+          <p:cNvPr id="17" name="Picture 16">
+            <a:extLst>
+              <a:ext uri="{FF2B5EF4-FFF2-40B4-BE49-F238E27FC236}">
+                <a16:creationId xmlns:a16="http://schemas.microsoft.com/office/drawing/2014/main" id="{E97B625C-DC23-086E-3F29-D99B4360EC0F}"/>
+              </a:ext>
+            </a:extLst>
+          </p:cNvPr>
+          <p:cNvPicPr>
+            <a:picLocks noChangeAspect="1"/>
+          </p:cNvPicPr>
+          <p:nvPr/>
+        </p:nvPicPr>
+        <p:blipFill>
+          <a:blip r:embed="rId3">
+            <a:alphaModFix amt="8000"/>
+            <a:extLst>
+              <a:ext uri="{28A0092B-C50C-407E-A947-70E740481C1C}">
+                <a14:useLocalDpi xmlns:a14="http://schemas.microsoft.com/office/drawing/2010/main" val="0"/>
+              </a:ext>
+            </a:extLst>
+          </a:blip>
+          <a:srcRect t="15625"/>
+          <a:stretch/>
+        </p:blipFill>
+        <p:spPr>
+          <a:xfrm>
+            <a:off x="0" y="0"/>
+            <a:ext cx="12192000" cy="6858000"/>
+          </a:xfrm>
+          <a:prstGeom prst="rect">
+            <a:avLst/>
+          </a:prstGeom>
+        </p:spPr>
+      </p:pic>
+      <p:pic>
+        <p:nvPicPr>
+          <p:cNvPr id="50" name="Picture 49">
+            <a:extLst>
+              <a:ext uri="{FF2B5EF4-FFF2-40B4-BE49-F238E27FC236}">
+                <a16:creationId xmlns:a16="http://schemas.microsoft.com/office/drawing/2014/main" id="{7CA8D83E-5502-F93C-FB45-20660CFF5EC4}"/>
+              </a:ext>
+            </a:extLst>
+          </p:cNvPr>
+          <p:cNvPicPr>
+            <a:picLocks noChangeAspect="1"/>
+          </p:cNvPicPr>
+          <p:nvPr/>
+        </p:nvPicPr>
+        <p:blipFill>
+          <a:blip r:embed="rId4">
+            <a:extLst>
+              <a:ext uri="{28A0092B-C50C-407E-A947-70E740481C1C}">
+                <a14:useLocalDpi xmlns:a14="http://schemas.microsoft.com/office/drawing/2010/main" val="0"/>
+              </a:ext>
+            </a:extLst>
+          </a:blip>
+          <a:stretch>
+            <a:fillRect/>
+          </a:stretch>
+        </p:blipFill>
+        <p:spPr>
+          <a:xfrm>
+            <a:off x="331906" y="468417"/>
+            <a:ext cx="437914" cy="152296"/>
+          </a:xfrm>
+          <a:prstGeom prst="rect">
+            <a:avLst/>
+          </a:prstGeom>
+        </p:spPr>
+      </p:pic>
+      <p:cxnSp>
+        <p:nvCxnSpPr>
+          <p:cNvPr id="52" name="Straight Connector 51">
+            <a:extLst>
+              <a:ext uri="{FF2B5EF4-FFF2-40B4-BE49-F238E27FC236}">
+                <a16:creationId xmlns:a16="http://schemas.microsoft.com/office/drawing/2014/main" id="{4EF7BF29-F484-7465-D57D-5739DD14445D}"/>
+              </a:ext>
+            </a:extLst>
+          </p:cNvPr>
+          <p:cNvCxnSpPr>
+            <a:cxnSpLocks/>
+          </p:cNvCxnSpPr>
+          <p:nvPr/>
+        </p:nvCxnSpPr>
+        <p:spPr>
+          <a:xfrm flipH="1">
+            <a:off x="899311" y="585487"/>
+            <a:ext cx="10701196" cy="0"/>
+          </a:xfrm>
+          <a:prstGeom prst="line">
+            <a:avLst/>
+          </a:prstGeom>
+          <a:ln w="3175">
+            <a:solidFill>
+              <a:schemeClr val="bg1">
+                <a:lumMod val="50000"/>
+              </a:schemeClr>
+            </a:solidFill>
+          </a:ln>
+        </p:spPr>
+        <p:style>
+          <a:lnRef idx="2">
+            <a:schemeClr val="accent1"/>
+          </a:lnRef>
+          <a:fillRef idx="0">
+            <a:schemeClr val="accent1"/>
+          </a:fillRef>
+          <a:effectRef idx="1">
+            <a:schemeClr val="accent1"/>
+          </a:effectRef>
+          <a:fontRef idx="minor">
+            <a:schemeClr val="tx1"/>
+          </a:fontRef>
+        </p:style>
+      </p:cxnSp>
+      <p:pic>
+        <p:nvPicPr>
+          <p:cNvPr id="6" name="Picture 5" descr="A screenshot of a computer&#10;&#10;AI-generated content may be incorrect.">
+            <a:extLst>
+              <a:ext uri="{FF2B5EF4-FFF2-40B4-BE49-F238E27FC236}">
+                <a16:creationId xmlns:a16="http://schemas.microsoft.com/office/drawing/2014/main" id="{FF4A6C38-04E6-4B02-AAC7-2CCF221809B3}"/>
+              </a:ext>
+            </a:extLst>
+          </p:cNvPr>
+          <p:cNvPicPr>
+            <a:picLocks noChangeAspect="1"/>
+          </p:cNvPicPr>
+          <p:nvPr/>
+        </p:nvPicPr>
+        <p:blipFill>
+          <a:blip r:embed="rId5">
+            <a:extLst>
+              <a:ext uri="{28A0092B-C50C-407E-A947-70E740481C1C}">
+                <a14:useLocalDpi xmlns:a14="http://schemas.microsoft.com/office/drawing/2010/main" val="0"/>
+              </a:ext>
+            </a:extLst>
+          </a:blip>
+          <a:stretch>
+            <a:fillRect/>
+          </a:stretch>
+        </p:blipFill>
+        <p:spPr>
+          <a:xfrm>
+            <a:off x="0" y="1"/>
+            <a:ext cx="12191999" cy="6858000"/>
+          </a:xfrm>
+          <a:prstGeom prst="rect">
+            <a:avLst/>
+          </a:prstGeom>
+        </p:spPr>
+      </p:pic>
+    </p:spTree>
+    <p:extLst>
+      <p:ext uri="{BB962C8B-B14F-4D97-AF65-F5344CB8AC3E}">
+        <p14:creationId xmlns:p14="http://schemas.microsoft.com/office/powerpoint/2010/main" val="2909082165"/>
       </p:ext>
     </p:extLst>
   </p:cSld>
@@ -13196,7 +13013,7 @@
         <p:cNvPr id="1" name="">
           <a:extLst>
             <a:ext uri="{FF2B5EF4-FFF2-40B4-BE49-F238E27FC236}">
-              <a16:creationId xmlns:a16="http://schemas.microsoft.com/office/drawing/2014/main" id="{D019D1B0-5A07-B28B-A154-D34A7A4D7F30}"/>
+              <a16:creationId xmlns:a16="http://schemas.microsoft.com/office/drawing/2014/main" id="{06A4779A-65D4-568A-4475-4BAB5AB66EC5}"/>
             </a:ext>
           </a:extLst>
         </p:cNvPr>
@@ -13216,7 +13033,7 @@
           <p:cNvPr id="17" name="Picture 16">
             <a:extLst>
               <a:ext uri="{FF2B5EF4-FFF2-40B4-BE49-F238E27FC236}">
-                <a16:creationId xmlns:a16="http://schemas.microsoft.com/office/drawing/2014/main" id="{E97B625C-DC23-086E-3F29-D99B4360EC0F}"/>
+                <a16:creationId xmlns:a16="http://schemas.microsoft.com/office/drawing/2014/main" id="{4379A121-4F64-5FE3-88F8-C0BE3277BD24}"/>
               </a:ext>
             </a:extLst>
           </p:cNvPr>
@@ -13252,7 +13069,7 @@
           <p:cNvPr id="50" name="Picture 49">
             <a:extLst>
               <a:ext uri="{FF2B5EF4-FFF2-40B4-BE49-F238E27FC236}">
-                <a16:creationId xmlns:a16="http://schemas.microsoft.com/office/drawing/2014/main" id="{7CA8D83E-5502-F93C-FB45-20660CFF5EC4}"/>
+                <a16:creationId xmlns:a16="http://schemas.microsoft.com/office/drawing/2014/main" id="{85C088B4-CAF4-AE9A-B6A3-D84B47DD6DF2}"/>
               </a:ext>
             </a:extLst>
           </p:cNvPr>
@@ -13288,7 +13105,7 @@
           <p:cNvPr id="52" name="Straight Connector 51">
             <a:extLst>
               <a:ext uri="{FF2B5EF4-FFF2-40B4-BE49-F238E27FC236}">
-                <a16:creationId xmlns:a16="http://schemas.microsoft.com/office/drawing/2014/main" id="{4EF7BF29-F484-7465-D57D-5739DD14445D}"/>
+                <a16:creationId xmlns:a16="http://schemas.microsoft.com/office/drawing/2014/main" id="{BA802FFF-9F11-F03D-AF90-1534CBF27A34}"/>
               </a:ext>
             </a:extLst>
           </p:cNvPr>
@@ -13333,203 +13150,6 @@
           <p:cNvPr id="6" name="Picture 5" descr="A screenshot of a computer&#10;&#10;AI-generated content may be incorrect.">
             <a:extLst>
               <a:ext uri="{FF2B5EF4-FFF2-40B4-BE49-F238E27FC236}">
-                <a16:creationId xmlns:a16="http://schemas.microsoft.com/office/drawing/2014/main" id="{FF4A6C38-04E6-4B02-AAC7-2CCF221809B3}"/>
-              </a:ext>
-            </a:extLst>
-          </p:cNvPr>
-          <p:cNvPicPr>
-            <a:picLocks noChangeAspect="1"/>
-          </p:cNvPicPr>
-          <p:nvPr/>
-        </p:nvPicPr>
-        <p:blipFill>
-          <a:blip r:embed="rId5">
-            <a:extLst>
-              <a:ext uri="{28A0092B-C50C-407E-A947-70E740481C1C}">
-                <a14:useLocalDpi xmlns:a14="http://schemas.microsoft.com/office/drawing/2010/main" val="0"/>
-              </a:ext>
-            </a:extLst>
-          </a:blip>
-          <a:stretch>
-            <a:fillRect/>
-          </a:stretch>
-        </p:blipFill>
-        <p:spPr>
-          <a:xfrm>
-            <a:off x="0" y="1"/>
-            <a:ext cx="12191999" cy="6858000"/>
-          </a:xfrm>
-          <a:prstGeom prst="rect">
-            <a:avLst/>
-          </a:prstGeom>
-        </p:spPr>
-      </p:pic>
-    </p:spTree>
-    <p:extLst>
-      <p:ext uri="{BB962C8B-B14F-4D97-AF65-F5344CB8AC3E}">
-        <p14:creationId xmlns:p14="http://schemas.microsoft.com/office/powerpoint/2010/main" val="2909082165"/>
-      </p:ext>
-    </p:extLst>
-  </p:cSld>
-  <p:clrMapOvr>
-    <a:masterClrMapping/>
-  </p:clrMapOvr>
-</p:sld>
-</file>
-
-<file path=ppt/slides/slide31.xml><?xml version="1.0" encoding="utf-8"?>
-<p:sld xmlns:a="http://schemas.openxmlformats.org/drawingml/2006/main" xmlns:r="http://schemas.openxmlformats.org/officeDocument/2006/relationships" xmlns:p="http://schemas.openxmlformats.org/presentationml/2006/main">
-  <p:cSld>
-    <p:bg>
-      <p:bgPr>
-        <a:solidFill>
-          <a:schemeClr val="tx1"/>
-        </a:solidFill>
-        <a:effectLst/>
-      </p:bgPr>
-    </p:bg>
-    <p:spTree>
-      <p:nvGrpSpPr>
-        <p:cNvPr id="1" name="">
-          <a:extLst>
-            <a:ext uri="{FF2B5EF4-FFF2-40B4-BE49-F238E27FC236}">
-              <a16:creationId xmlns:a16="http://schemas.microsoft.com/office/drawing/2014/main" id="{06A4779A-65D4-568A-4475-4BAB5AB66EC5}"/>
-            </a:ext>
-          </a:extLst>
-        </p:cNvPr>
-        <p:cNvGrpSpPr/>
-        <p:nvPr/>
-      </p:nvGrpSpPr>
-      <p:grpSpPr>
-        <a:xfrm>
-          <a:off x="0" y="0"/>
-          <a:ext cx="0" cy="0"/>
-          <a:chOff x="0" y="0"/>
-          <a:chExt cx="0" cy="0"/>
-        </a:xfrm>
-      </p:grpSpPr>
-      <p:pic>
-        <p:nvPicPr>
-          <p:cNvPr id="17" name="Picture 16">
-            <a:extLst>
-              <a:ext uri="{FF2B5EF4-FFF2-40B4-BE49-F238E27FC236}">
-                <a16:creationId xmlns:a16="http://schemas.microsoft.com/office/drawing/2014/main" id="{4379A121-4F64-5FE3-88F8-C0BE3277BD24}"/>
-              </a:ext>
-            </a:extLst>
-          </p:cNvPr>
-          <p:cNvPicPr>
-            <a:picLocks noChangeAspect="1"/>
-          </p:cNvPicPr>
-          <p:nvPr/>
-        </p:nvPicPr>
-        <p:blipFill>
-          <a:blip r:embed="rId3">
-            <a:alphaModFix amt="8000"/>
-            <a:extLst>
-              <a:ext uri="{28A0092B-C50C-407E-A947-70E740481C1C}">
-                <a14:useLocalDpi xmlns:a14="http://schemas.microsoft.com/office/drawing/2010/main" val="0"/>
-              </a:ext>
-            </a:extLst>
-          </a:blip>
-          <a:srcRect t="15625"/>
-          <a:stretch/>
-        </p:blipFill>
-        <p:spPr>
-          <a:xfrm>
-            <a:off x="0" y="0"/>
-            <a:ext cx="12192000" cy="6858000"/>
-          </a:xfrm>
-          <a:prstGeom prst="rect">
-            <a:avLst/>
-          </a:prstGeom>
-        </p:spPr>
-      </p:pic>
-      <p:pic>
-        <p:nvPicPr>
-          <p:cNvPr id="50" name="Picture 49">
-            <a:extLst>
-              <a:ext uri="{FF2B5EF4-FFF2-40B4-BE49-F238E27FC236}">
-                <a16:creationId xmlns:a16="http://schemas.microsoft.com/office/drawing/2014/main" id="{85C088B4-CAF4-AE9A-B6A3-D84B47DD6DF2}"/>
-              </a:ext>
-            </a:extLst>
-          </p:cNvPr>
-          <p:cNvPicPr>
-            <a:picLocks noChangeAspect="1"/>
-          </p:cNvPicPr>
-          <p:nvPr/>
-        </p:nvPicPr>
-        <p:blipFill>
-          <a:blip r:embed="rId4">
-            <a:extLst>
-              <a:ext uri="{28A0092B-C50C-407E-A947-70E740481C1C}">
-                <a14:useLocalDpi xmlns:a14="http://schemas.microsoft.com/office/drawing/2010/main" val="0"/>
-              </a:ext>
-            </a:extLst>
-          </a:blip>
-          <a:stretch>
-            <a:fillRect/>
-          </a:stretch>
-        </p:blipFill>
-        <p:spPr>
-          <a:xfrm>
-            <a:off x="331906" y="468417"/>
-            <a:ext cx="437914" cy="152296"/>
-          </a:xfrm>
-          <a:prstGeom prst="rect">
-            <a:avLst/>
-          </a:prstGeom>
-        </p:spPr>
-      </p:pic>
-      <p:cxnSp>
-        <p:nvCxnSpPr>
-          <p:cNvPr id="52" name="Straight Connector 51">
-            <a:extLst>
-              <a:ext uri="{FF2B5EF4-FFF2-40B4-BE49-F238E27FC236}">
-                <a16:creationId xmlns:a16="http://schemas.microsoft.com/office/drawing/2014/main" id="{BA802FFF-9F11-F03D-AF90-1534CBF27A34}"/>
-              </a:ext>
-            </a:extLst>
-          </p:cNvPr>
-          <p:cNvCxnSpPr>
-            <a:cxnSpLocks/>
-          </p:cNvCxnSpPr>
-          <p:nvPr/>
-        </p:nvCxnSpPr>
-        <p:spPr>
-          <a:xfrm flipH="1">
-            <a:off x="899311" y="585487"/>
-            <a:ext cx="10701196" cy="0"/>
-          </a:xfrm>
-          <a:prstGeom prst="line">
-            <a:avLst/>
-          </a:prstGeom>
-          <a:ln w="3175">
-            <a:solidFill>
-              <a:schemeClr val="bg1">
-                <a:lumMod val="50000"/>
-              </a:schemeClr>
-            </a:solidFill>
-          </a:ln>
-        </p:spPr>
-        <p:style>
-          <a:lnRef idx="2">
-            <a:schemeClr val="accent1"/>
-          </a:lnRef>
-          <a:fillRef idx="0">
-            <a:schemeClr val="accent1"/>
-          </a:fillRef>
-          <a:effectRef idx="1">
-            <a:schemeClr val="accent1"/>
-          </a:effectRef>
-          <a:fontRef idx="minor">
-            <a:schemeClr val="tx1"/>
-          </a:fontRef>
-        </p:style>
-      </p:cxnSp>
-      <p:pic>
-        <p:nvPicPr>
-          <p:cNvPr id="6" name="Picture 5" descr="A screenshot of a computer&#10;&#10;AI-generated content may be incorrect.">
-            <a:extLst>
-              <a:ext uri="{FF2B5EF4-FFF2-40B4-BE49-F238E27FC236}">
                 <a16:creationId xmlns:a16="http://schemas.microsoft.com/office/drawing/2014/main" id="{82DCBFC8-9133-B83B-BA8C-049424BC4138}"/>
               </a:ext>
             </a:extLst>
@@ -13574,7 +13194,7 @@
 </p:sld>
 </file>
 
-<file path=ppt/slides/slide32.xml><?xml version="1.0" encoding="utf-8"?>
+<file path=ppt/slides/slide31.xml><?xml version="1.0" encoding="utf-8"?>
 <p:sld xmlns:a="http://schemas.openxmlformats.org/drawingml/2006/main" xmlns:r="http://schemas.openxmlformats.org/officeDocument/2006/relationships" xmlns:p="http://schemas.openxmlformats.org/presentationml/2006/main">
   <p:cSld>
     <p:bg>
@@ -13771,7 +13391,7 @@
 </p:sld>
 </file>
 
-<file path=ppt/slides/slide33.xml><?xml version="1.0" encoding="utf-8"?>
+<file path=ppt/slides/slide32.xml><?xml version="1.0" encoding="utf-8"?>
 <p:sld xmlns:a="http://schemas.openxmlformats.org/drawingml/2006/main" xmlns:r="http://schemas.openxmlformats.org/officeDocument/2006/relationships" xmlns:p="http://schemas.openxmlformats.org/presentationml/2006/main">
   <p:cSld>
     <p:bg>
@@ -13968,7 +13588,7 @@
 </p:sld>
 </file>
 
-<file path=ppt/slides/slide34.xml><?xml version="1.0" encoding="utf-8"?>
+<file path=ppt/slides/slide33.xml><?xml version="1.0" encoding="utf-8"?>
 <p:sld xmlns:a="http://schemas.openxmlformats.org/drawingml/2006/main" xmlns:r="http://schemas.openxmlformats.org/officeDocument/2006/relationships" xmlns:p="http://schemas.openxmlformats.org/presentationml/2006/main">
   <p:cSld>
     <p:spTree>
@@ -14090,203 +13710,6 @@
 </file>
 
 <file path=ppt/slides/slide4.xml><?xml version="1.0" encoding="utf-8"?>
-<p:sld xmlns:a="http://schemas.openxmlformats.org/drawingml/2006/main" xmlns:r="http://schemas.openxmlformats.org/officeDocument/2006/relationships" xmlns:p="http://schemas.openxmlformats.org/presentationml/2006/main">
-  <p:cSld>
-    <p:bg>
-      <p:bgPr>
-        <a:solidFill>
-          <a:schemeClr val="tx1"/>
-        </a:solidFill>
-        <a:effectLst/>
-      </p:bgPr>
-    </p:bg>
-    <p:spTree>
-      <p:nvGrpSpPr>
-        <p:cNvPr id="1" name="">
-          <a:extLst>
-            <a:ext uri="{FF2B5EF4-FFF2-40B4-BE49-F238E27FC236}">
-              <a16:creationId xmlns:a16="http://schemas.microsoft.com/office/drawing/2014/main" id="{1728CD89-E83E-C5F2-9BF0-0F000FF3E958}"/>
-            </a:ext>
-          </a:extLst>
-        </p:cNvPr>
-        <p:cNvGrpSpPr/>
-        <p:nvPr/>
-      </p:nvGrpSpPr>
-      <p:grpSpPr>
-        <a:xfrm>
-          <a:off x="0" y="0"/>
-          <a:ext cx="0" cy="0"/>
-          <a:chOff x="0" y="0"/>
-          <a:chExt cx="0" cy="0"/>
-        </a:xfrm>
-      </p:grpSpPr>
-      <p:pic>
-        <p:nvPicPr>
-          <p:cNvPr id="17" name="Picture 16">
-            <a:extLst>
-              <a:ext uri="{FF2B5EF4-FFF2-40B4-BE49-F238E27FC236}">
-                <a16:creationId xmlns:a16="http://schemas.microsoft.com/office/drawing/2014/main" id="{0596913B-361F-9DA7-84DC-8BD15D7C8167}"/>
-              </a:ext>
-            </a:extLst>
-          </p:cNvPr>
-          <p:cNvPicPr>
-            <a:picLocks noChangeAspect="1"/>
-          </p:cNvPicPr>
-          <p:nvPr/>
-        </p:nvPicPr>
-        <p:blipFill>
-          <a:blip r:embed="rId3">
-            <a:alphaModFix amt="8000"/>
-            <a:extLst>
-              <a:ext uri="{28A0092B-C50C-407E-A947-70E740481C1C}">
-                <a14:useLocalDpi xmlns:a14="http://schemas.microsoft.com/office/drawing/2010/main" val="0"/>
-              </a:ext>
-            </a:extLst>
-          </a:blip>
-          <a:srcRect t="15625"/>
-          <a:stretch/>
-        </p:blipFill>
-        <p:spPr>
-          <a:xfrm>
-            <a:off x="0" y="0"/>
-            <a:ext cx="12192000" cy="6858000"/>
-          </a:xfrm>
-          <a:prstGeom prst="rect">
-            <a:avLst/>
-          </a:prstGeom>
-        </p:spPr>
-      </p:pic>
-      <p:pic>
-        <p:nvPicPr>
-          <p:cNvPr id="50" name="Picture 49">
-            <a:extLst>
-              <a:ext uri="{FF2B5EF4-FFF2-40B4-BE49-F238E27FC236}">
-                <a16:creationId xmlns:a16="http://schemas.microsoft.com/office/drawing/2014/main" id="{01078812-1C3A-FE9E-57AE-505C82E1095E}"/>
-              </a:ext>
-            </a:extLst>
-          </p:cNvPr>
-          <p:cNvPicPr>
-            <a:picLocks noChangeAspect="1"/>
-          </p:cNvPicPr>
-          <p:nvPr/>
-        </p:nvPicPr>
-        <p:blipFill>
-          <a:blip r:embed="rId4">
-            <a:extLst>
-              <a:ext uri="{28A0092B-C50C-407E-A947-70E740481C1C}">
-                <a14:useLocalDpi xmlns:a14="http://schemas.microsoft.com/office/drawing/2010/main" val="0"/>
-              </a:ext>
-            </a:extLst>
-          </a:blip>
-          <a:stretch>
-            <a:fillRect/>
-          </a:stretch>
-        </p:blipFill>
-        <p:spPr>
-          <a:xfrm>
-            <a:off x="331906" y="468417"/>
-            <a:ext cx="437914" cy="152296"/>
-          </a:xfrm>
-          <a:prstGeom prst="rect">
-            <a:avLst/>
-          </a:prstGeom>
-        </p:spPr>
-      </p:pic>
-      <p:cxnSp>
-        <p:nvCxnSpPr>
-          <p:cNvPr id="52" name="Straight Connector 51">
-            <a:extLst>
-              <a:ext uri="{FF2B5EF4-FFF2-40B4-BE49-F238E27FC236}">
-                <a16:creationId xmlns:a16="http://schemas.microsoft.com/office/drawing/2014/main" id="{584709C7-5D8D-528B-BF4E-50D073FA0B61}"/>
-              </a:ext>
-            </a:extLst>
-          </p:cNvPr>
-          <p:cNvCxnSpPr>
-            <a:cxnSpLocks/>
-          </p:cNvCxnSpPr>
-          <p:nvPr/>
-        </p:nvCxnSpPr>
-        <p:spPr>
-          <a:xfrm flipH="1">
-            <a:off x="899311" y="585487"/>
-            <a:ext cx="10701196" cy="0"/>
-          </a:xfrm>
-          <a:prstGeom prst="line">
-            <a:avLst/>
-          </a:prstGeom>
-          <a:ln w="3175">
-            <a:solidFill>
-              <a:schemeClr val="bg1">
-                <a:lumMod val="50000"/>
-              </a:schemeClr>
-            </a:solidFill>
-          </a:ln>
-        </p:spPr>
-        <p:style>
-          <a:lnRef idx="2">
-            <a:schemeClr val="accent1"/>
-          </a:lnRef>
-          <a:fillRef idx="0">
-            <a:schemeClr val="accent1"/>
-          </a:fillRef>
-          <a:effectRef idx="1">
-            <a:schemeClr val="accent1"/>
-          </a:effectRef>
-          <a:fontRef idx="minor">
-            <a:schemeClr val="tx1"/>
-          </a:fontRef>
-        </p:style>
-      </p:cxnSp>
-      <p:pic>
-        <p:nvPicPr>
-          <p:cNvPr id="3" name="Picture 2" descr="A screenshot of a computer&#10;&#10;AI-generated content may be incorrect.">
-            <a:extLst>
-              <a:ext uri="{FF2B5EF4-FFF2-40B4-BE49-F238E27FC236}">
-                <a16:creationId xmlns:a16="http://schemas.microsoft.com/office/drawing/2014/main" id="{E61D1A84-2F78-D522-E17B-4510E87FF16A}"/>
-              </a:ext>
-            </a:extLst>
-          </p:cNvPr>
-          <p:cNvPicPr>
-            <a:picLocks noChangeAspect="1"/>
-          </p:cNvPicPr>
-          <p:nvPr/>
-        </p:nvPicPr>
-        <p:blipFill>
-          <a:blip r:embed="rId5">
-            <a:extLst>
-              <a:ext uri="{28A0092B-C50C-407E-A947-70E740481C1C}">
-                <a14:useLocalDpi xmlns:a14="http://schemas.microsoft.com/office/drawing/2010/main" val="0"/>
-              </a:ext>
-            </a:extLst>
-          </a:blip>
-          <a:stretch>
-            <a:fillRect/>
-          </a:stretch>
-        </p:blipFill>
-        <p:spPr>
-          <a:xfrm>
-            <a:off x="0" y="0"/>
-            <a:ext cx="12192000" cy="6857999"/>
-          </a:xfrm>
-          <a:prstGeom prst="rect">
-            <a:avLst/>
-          </a:prstGeom>
-        </p:spPr>
-      </p:pic>
-    </p:spTree>
-    <p:extLst>
-      <p:ext uri="{BB962C8B-B14F-4D97-AF65-F5344CB8AC3E}">
-        <p14:creationId xmlns:p14="http://schemas.microsoft.com/office/powerpoint/2010/main" val="328659950"/>
-      </p:ext>
-    </p:extLst>
-  </p:cSld>
-  <p:clrMapOvr>
-    <a:masterClrMapping/>
-  </p:clrMapOvr>
-</p:sld>
-</file>
-
-<file path=ppt/slides/slide5.xml><?xml version="1.0" encoding="utf-8"?>
 <p:sld xmlns:a="http://schemas.openxmlformats.org/drawingml/2006/main" xmlns:r="http://schemas.openxmlformats.org/officeDocument/2006/relationships" xmlns:p="http://schemas.openxmlformats.org/presentationml/2006/main">
   <p:cSld>
     <p:bg>
@@ -14559,7 +13982,7 @@
 </p:sld>
 </file>
 
-<file path=ppt/slides/slide6.xml><?xml version="1.0" encoding="utf-8"?>
+<file path=ppt/slides/slide5.xml><?xml version="1.0" encoding="utf-8"?>
 <p:sld xmlns:a="http://schemas.openxmlformats.org/drawingml/2006/main" xmlns:r="http://schemas.openxmlformats.org/officeDocument/2006/relationships" xmlns:p="http://schemas.openxmlformats.org/presentationml/2006/main">
   <p:cSld>
     <p:spTree>
@@ -14831,7 +14254,7 @@
 </p:sld>
 </file>
 
-<file path=ppt/slides/slide7.xml><?xml version="1.0" encoding="utf-8"?>
+<file path=ppt/slides/slide6.xml><?xml version="1.0" encoding="utf-8"?>
 <p:sld xmlns:a="http://schemas.openxmlformats.org/drawingml/2006/main" xmlns:r="http://schemas.openxmlformats.org/officeDocument/2006/relationships" xmlns:p="http://schemas.openxmlformats.org/presentationml/2006/main">
   <p:cSld>
     <p:spTree>
@@ -15102,7 +14525,7 @@
 </p:sld>
 </file>
 
-<file path=ppt/slides/slide8.xml><?xml version="1.0" encoding="utf-8"?>
+<file path=ppt/slides/slide7.xml><?xml version="1.0" encoding="utf-8"?>
 <p:sld xmlns:a="http://schemas.openxmlformats.org/drawingml/2006/main" xmlns:r="http://schemas.openxmlformats.org/officeDocument/2006/relationships" xmlns:p="http://schemas.openxmlformats.org/presentationml/2006/main">
   <p:cSld>
     <p:spTree>
@@ -15668,7 +15091,7 @@
 </p:sld>
 </file>
 
-<file path=ppt/slides/slide9.xml><?xml version="1.0" encoding="utf-8"?>
+<file path=ppt/slides/slide8.xml><?xml version="1.0" encoding="utf-8"?>
 <p:sld xmlns:a="http://schemas.openxmlformats.org/drawingml/2006/main" xmlns:r="http://schemas.openxmlformats.org/officeDocument/2006/relationships" xmlns:p="http://schemas.openxmlformats.org/presentationml/2006/main">
   <p:cSld>
     <p:spTree>
@@ -15965,6 +15388,270 @@
     <p:extLst>
       <p:ext uri="{BB962C8B-B14F-4D97-AF65-F5344CB8AC3E}">
         <p14:creationId xmlns:p14="http://schemas.microsoft.com/office/powerpoint/2010/main" val="3798257713"/>
+      </p:ext>
+    </p:extLst>
+  </p:cSld>
+  <p:clrMapOvr>
+    <a:masterClrMapping/>
+  </p:clrMapOvr>
+</p:sld>
+</file>
+
+<file path=ppt/slides/slide9.xml><?xml version="1.0" encoding="utf-8"?>
+<p:sld xmlns:a="http://schemas.openxmlformats.org/drawingml/2006/main" xmlns:r="http://schemas.openxmlformats.org/officeDocument/2006/relationships" xmlns:p="http://schemas.openxmlformats.org/presentationml/2006/main">
+  <p:cSld>
+    <p:spTree>
+      <p:nvGrpSpPr>
+        <p:cNvPr id="1" name=""/>
+        <p:cNvGrpSpPr/>
+        <p:nvPr/>
+      </p:nvGrpSpPr>
+      <p:grpSpPr>
+        <a:xfrm>
+          <a:off x="0" y="0"/>
+          <a:ext cx="0" cy="0"/>
+          <a:chOff x="0" y="0"/>
+          <a:chExt cx="0" cy="0"/>
+        </a:xfrm>
+      </p:grpSpPr>
+      <p:cxnSp>
+        <p:nvCxnSpPr>
+          <p:cNvPr id="5" name="Straight Connector 4">
+            <a:extLst>
+              <a:ext uri="{FF2B5EF4-FFF2-40B4-BE49-F238E27FC236}">
+                <a16:creationId xmlns:a16="http://schemas.microsoft.com/office/drawing/2014/main" id="{F0771D9B-C019-9873-7818-871C76C18BCA}"/>
+              </a:ext>
+            </a:extLst>
+          </p:cNvPr>
+          <p:cNvCxnSpPr>
+            <a:cxnSpLocks/>
+          </p:cNvCxnSpPr>
+          <p:nvPr/>
+        </p:nvCxnSpPr>
+        <p:spPr>
+          <a:xfrm flipH="1">
+            <a:off x="899311" y="585487"/>
+            <a:ext cx="10701196" cy="0"/>
+          </a:xfrm>
+          <a:prstGeom prst="line">
+            <a:avLst/>
+          </a:prstGeom>
+          <a:ln w="3175">
+            <a:solidFill>
+              <a:schemeClr val="bg1">
+                <a:lumMod val="50000"/>
+              </a:schemeClr>
+            </a:solidFill>
+          </a:ln>
+        </p:spPr>
+        <p:style>
+          <a:lnRef idx="2">
+            <a:schemeClr val="accent1"/>
+          </a:lnRef>
+          <a:fillRef idx="0">
+            <a:schemeClr val="accent1"/>
+          </a:fillRef>
+          <a:effectRef idx="1">
+            <a:schemeClr val="accent1"/>
+          </a:effectRef>
+          <a:fontRef idx="minor">
+            <a:schemeClr val="tx1"/>
+          </a:fontRef>
+        </p:style>
+      </p:cxnSp>
+      <p:pic>
+        <p:nvPicPr>
+          <p:cNvPr id="6" name="Picture 5">
+            <a:extLst>
+              <a:ext uri="{FF2B5EF4-FFF2-40B4-BE49-F238E27FC236}">
+                <a16:creationId xmlns:a16="http://schemas.microsoft.com/office/drawing/2014/main" id="{4FC37251-85D3-9666-1131-09F8BEB9209F}"/>
+              </a:ext>
+            </a:extLst>
+          </p:cNvPr>
+          <p:cNvPicPr>
+            <a:picLocks noChangeAspect="1"/>
+          </p:cNvPicPr>
+          <p:nvPr/>
+        </p:nvPicPr>
+        <p:blipFill>
+          <a:blip r:embed="rId3">
+            <a:extLst>
+              <a:ext uri="{28A0092B-C50C-407E-A947-70E740481C1C}">
+                <a14:useLocalDpi xmlns:a14="http://schemas.microsoft.com/office/drawing/2010/main" val="0"/>
+              </a:ext>
+            </a:extLst>
+          </a:blip>
+          <a:stretch>
+            <a:fillRect/>
+          </a:stretch>
+        </p:blipFill>
+        <p:spPr>
+          <a:xfrm>
+            <a:off x="331906" y="468417"/>
+            <a:ext cx="437914" cy="152296"/>
+          </a:xfrm>
+          <a:prstGeom prst="rect">
+            <a:avLst/>
+          </a:prstGeom>
+        </p:spPr>
+      </p:pic>
+      <p:sp>
+        <p:nvSpPr>
+          <p:cNvPr id="3" name="TextBox 2">
+            <a:extLst>
+              <a:ext uri="{FF2B5EF4-FFF2-40B4-BE49-F238E27FC236}">
+                <a16:creationId xmlns:a16="http://schemas.microsoft.com/office/drawing/2014/main" id="{37DBFF98-BC9F-1915-6214-6F9E28B99F60}"/>
+              </a:ext>
+            </a:extLst>
+          </p:cNvPr>
+          <p:cNvSpPr txBox="1"/>
+          <p:nvPr/>
+        </p:nvSpPr>
+        <p:spPr>
+          <a:xfrm>
+            <a:off x="3048886" y="3302813"/>
+            <a:ext cx="6097772" cy="369332"/>
+          </a:xfrm>
+          <a:prstGeom prst="rect">
+            <a:avLst/>
+          </a:prstGeom>
+          <a:noFill/>
+        </p:spPr>
+        <p:txBody>
+          <a:bodyPr wrap="square">
+            <a:spAutoFit/>
+          </a:bodyPr>
+          <a:lstStyle/>
+          <a:p>
+            <a:r>
+              <a:rPr lang="en-IN" dirty="0"/>
+              <a:t>What is the total revenue contribution by each vehicle type</a:t>
+            </a:r>
+          </a:p>
+        </p:txBody>
+      </p:sp>
+      <p:sp>
+        <p:nvSpPr>
+          <p:cNvPr id="11" name="TextBox 10">
+            <a:extLst>
+              <a:ext uri="{FF2B5EF4-FFF2-40B4-BE49-F238E27FC236}">
+                <a16:creationId xmlns:a16="http://schemas.microsoft.com/office/drawing/2014/main" id="{229B39EF-32BB-1236-2FEE-C497255EEA48}"/>
+              </a:ext>
+            </a:extLst>
+          </p:cNvPr>
+          <p:cNvSpPr txBox="1"/>
+          <p:nvPr/>
+        </p:nvSpPr>
+        <p:spPr>
+          <a:xfrm>
+            <a:off x="706179" y="0"/>
+            <a:ext cx="11485821" cy="584775"/>
+          </a:xfrm>
+          <a:prstGeom prst="rect">
+            <a:avLst/>
+          </a:prstGeom>
+          <a:noFill/>
+        </p:spPr>
+        <p:txBody>
+          <a:bodyPr wrap="square">
+            <a:spAutoFit/>
+          </a:bodyPr>
+          <a:lstStyle>
+            <a:defPPr>
+              <a:defRPr lang="en-US"/>
+            </a:defPPr>
+            <a:lvl1pPr algn="ctr">
+              <a:defRPr sz="3200" b="1">
+                <a:solidFill>
+                  <a:srgbClr val="FF0000"/>
+                </a:solidFill>
+              </a:defRPr>
+            </a:lvl1pPr>
+          </a:lstStyle>
+          <a:p>
+            <a:r>
+              <a:rPr lang="en-IN" dirty="0"/>
+              <a:t>What is the total revenue contribution by each vehicle type</a:t>
+            </a:r>
+          </a:p>
+        </p:txBody>
+      </p:sp>
+      <p:pic>
+        <p:nvPicPr>
+          <p:cNvPr id="15" name="Picture 14" descr="A screenshot of a computer&#10;&#10;AI-generated content may be incorrect.">
+            <a:extLst>
+              <a:ext uri="{FF2B5EF4-FFF2-40B4-BE49-F238E27FC236}">
+                <a16:creationId xmlns:a16="http://schemas.microsoft.com/office/drawing/2014/main" id="{9FD12E78-199A-BCF2-12E3-2D1943739295}"/>
+              </a:ext>
+            </a:extLst>
+          </p:cNvPr>
+          <p:cNvPicPr>
+            <a:picLocks noChangeAspect="1"/>
+          </p:cNvPicPr>
+          <p:nvPr/>
+        </p:nvPicPr>
+        <p:blipFill>
+          <a:blip r:embed="rId4">
+            <a:extLst>
+              <a:ext uri="{28A0092B-C50C-407E-A947-70E740481C1C}">
+                <a14:useLocalDpi xmlns:a14="http://schemas.microsoft.com/office/drawing/2010/main" val="0"/>
+              </a:ext>
+            </a:extLst>
+          </a:blip>
+          <a:stretch>
+            <a:fillRect/>
+          </a:stretch>
+        </p:blipFill>
+        <p:spPr>
+          <a:xfrm>
+            <a:off x="1682967" y="4348718"/>
+            <a:ext cx="2413591" cy="1923795"/>
+          </a:xfrm>
+          <a:prstGeom prst="rect">
+            <a:avLst/>
+          </a:prstGeom>
+        </p:spPr>
+      </p:pic>
+      <p:pic>
+        <p:nvPicPr>
+          <p:cNvPr id="17" name="Picture 16" descr="A screenshot of a computer code&#10;&#10;AI-generated content may be incorrect.">
+            <a:extLst>
+              <a:ext uri="{FF2B5EF4-FFF2-40B4-BE49-F238E27FC236}">
+                <a16:creationId xmlns:a16="http://schemas.microsoft.com/office/drawing/2014/main" id="{FFCA6885-0E12-4B22-C530-5A9128391B86}"/>
+              </a:ext>
+            </a:extLst>
+          </p:cNvPr>
+          <p:cNvPicPr>
+            <a:picLocks noChangeAspect="1"/>
+          </p:cNvPicPr>
+          <p:nvPr/>
+        </p:nvPicPr>
+        <p:blipFill>
+          <a:blip r:embed="rId5">
+            <a:extLst>
+              <a:ext uri="{28A0092B-C50C-407E-A947-70E740481C1C}">
+                <a14:useLocalDpi xmlns:a14="http://schemas.microsoft.com/office/drawing/2010/main" val="0"/>
+              </a:ext>
+            </a:extLst>
+          </a:blip>
+          <a:stretch>
+            <a:fillRect/>
+          </a:stretch>
+        </p:blipFill>
+        <p:spPr>
+          <a:xfrm>
+            <a:off x="3848986" y="1485554"/>
+            <a:ext cx="5297672" cy="2480389"/>
+          </a:xfrm>
+          <a:prstGeom prst="rect">
+            <a:avLst/>
+          </a:prstGeom>
+        </p:spPr>
+      </p:pic>
+    </p:spTree>
+    <p:extLst>
+      <p:ext uri="{BB962C8B-B14F-4D97-AF65-F5344CB8AC3E}">
+        <p14:creationId xmlns:p14="http://schemas.microsoft.com/office/powerpoint/2010/main" val="2347216542"/>
       </p:ext>
     </p:extLst>
   </p:cSld>
